--- a/templates/MasterTemplate.pptx
+++ b/templates/MasterTemplate.pptx
@@ -1,8 +1,8 @@
 
 <file path=ppt/presentation.xml><?xml version="1.0" encoding="utf-8"?>
-<p:presentation xmlns:a="http://schemas.openxmlformats.org/drawingml/2006/main" xmlns:r="http://schemas.openxmlformats.org/officeDocument/2006/relationships" xmlns:p="http://schemas.openxmlformats.org/presentationml/2006/main" saveSubsetFonts="1" autoCompressPictures="0">
+<p:presentation xmlns:a="http://schemas.openxmlformats.org/drawingml/2006/main" xmlns:r="http://schemas.openxmlformats.org/officeDocument/2006/relationships" xmlns:p="http://schemas.openxmlformats.org/presentationml/2006/main" autoCompressPictures="0">
   <p:sldMasterIdLst>
-    <p:sldMasterId id="2147483648" r:id="rId4"/>
+    <p:sldMasterId id="2147483696" r:id="rId4"/>
   </p:sldMasterIdLst>
   <p:notesMasterIdLst>
     <p:notesMasterId r:id="rId5"/>
@@ -16,7 +16,7 @@
     <a:defPPr>
       <a:defRPr lang="en-US"/>
     </a:defPPr>
-    <a:lvl1pPr marL="0" algn="l" defTabSz="914400" rtl="0" eaLnBrk="1" latinLnBrk="0" hangingPunct="1">
+    <a:lvl1pPr marL="0" algn="l" defTabSz="457200" rtl="0" eaLnBrk="1" latinLnBrk="0" hangingPunct="1">
       <a:defRPr sz="1800" kern="1200">
         <a:solidFill>
           <a:schemeClr val="tx1"/>
@@ -26,7 +26,7 @@
         <a:cs typeface="+mn-cs"/>
       </a:defRPr>
     </a:lvl1pPr>
-    <a:lvl2pPr marL="457200" algn="l" defTabSz="914400" rtl="0" eaLnBrk="1" latinLnBrk="0" hangingPunct="1">
+    <a:lvl2pPr marL="457200" algn="l" defTabSz="457200" rtl="0" eaLnBrk="1" latinLnBrk="0" hangingPunct="1">
       <a:defRPr sz="1800" kern="1200">
         <a:solidFill>
           <a:schemeClr val="tx1"/>
@@ -36,7 +36,7 @@
         <a:cs typeface="+mn-cs"/>
       </a:defRPr>
     </a:lvl2pPr>
-    <a:lvl3pPr marL="914400" algn="l" defTabSz="914400" rtl="0" eaLnBrk="1" latinLnBrk="0" hangingPunct="1">
+    <a:lvl3pPr marL="914400" algn="l" defTabSz="457200" rtl="0" eaLnBrk="1" latinLnBrk="0" hangingPunct="1">
       <a:defRPr sz="1800" kern="1200">
         <a:solidFill>
           <a:schemeClr val="tx1"/>
@@ -46,7 +46,7 @@
         <a:cs typeface="+mn-cs"/>
       </a:defRPr>
     </a:lvl3pPr>
-    <a:lvl4pPr marL="1371600" algn="l" defTabSz="914400" rtl="0" eaLnBrk="1" latinLnBrk="0" hangingPunct="1">
+    <a:lvl4pPr marL="1371600" algn="l" defTabSz="457200" rtl="0" eaLnBrk="1" latinLnBrk="0" hangingPunct="1">
       <a:defRPr sz="1800" kern="1200">
         <a:solidFill>
           <a:schemeClr val="tx1"/>
@@ -56,7 +56,7 @@
         <a:cs typeface="+mn-cs"/>
       </a:defRPr>
     </a:lvl4pPr>
-    <a:lvl5pPr marL="1828800" algn="l" defTabSz="914400" rtl="0" eaLnBrk="1" latinLnBrk="0" hangingPunct="1">
+    <a:lvl5pPr marL="1828800" algn="l" defTabSz="457200" rtl="0" eaLnBrk="1" latinLnBrk="0" hangingPunct="1">
       <a:defRPr sz="1800" kern="1200">
         <a:solidFill>
           <a:schemeClr val="tx1"/>
@@ -66,7 +66,7 @@
         <a:cs typeface="+mn-cs"/>
       </a:defRPr>
     </a:lvl5pPr>
-    <a:lvl6pPr marL="2286000" algn="l" defTabSz="914400" rtl="0" eaLnBrk="1" latinLnBrk="0" hangingPunct="1">
+    <a:lvl6pPr marL="2286000" algn="l" defTabSz="457200" rtl="0" eaLnBrk="1" latinLnBrk="0" hangingPunct="1">
       <a:defRPr sz="1800" kern="1200">
         <a:solidFill>
           <a:schemeClr val="tx1"/>
@@ -76,7 +76,7 @@
         <a:cs typeface="+mn-cs"/>
       </a:defRPr>
     </a:lvl6pPr>
-    <a:lvl7pPr marL="2743200" algn="l" defTabSz="914400" rtl="0" eaLnBrk="1" latinLnBrk="0" hangingPunct="1">
+    <a:lvl7pPr marL="2743200" algn="l" defTabSz="457200" rtl="0" eaLnBrk="1" latinLnBrk="0" hangingPunct="1">
       <a:defRPr sz="1800" kern="1200">
         <a:solidFill>
           <a:schemeClr val="tx1"/>
@@ -86,7 +86,7 @@
         <a:cs typeface="+mn-cs"/>
       </a:defRPr>
     </a:lvl7pPr>
-    <a:lvl8pPr marL="3200400" algn="l" defTabSz="914400" rtl="0" eaLnBrk="1" latinLnBrk="0" hangingPunct="1">
+    <a:lvl8pPr marL="3200400" algn="l" defTabSz="457200" rtl="0" eaLnBrk="1" latinLnBrk="0" hangingPunct="1">
       <a:defRPr sz="1800" kern="1200">
         <a:solidFill>
           <a:schemeClr val="tx1"/>
@@ -96,7 +96,7 @@
         <a:cs typeface="+mn-cs"/>
       </a:defRPr>
     </a:lvl8pPr>
-    <a:lvl9pPr marL="3657600" algn="l" defTabSz="914400" rtl="0" eaLnBrk="1" latinLnBrk="0" hangingPunct="1">
+    <a:lvl9pPr marL="3657600" algn="l" defTabSz="457200" rtl="0" eaLnBrk="1" latinLnBrk="0" hangingPunct="1">
       <a:defRPr sz="1800" kern="1200">
         <a:solidFill>
           <a:schemeClr val="tx1"/>
@@ -109,30 +109,13 @@
   </p:defaultTextStyle>
   <p:extLst>
     <p:ext uri="{EFAFB233-063F-42B5-8137-9DF3F51BA10A}">
-      <p15:sldGuideLst xmlns:p15="http://schemas.microsoft.com/office/powerpoint/2012/main">
-        <p15:guide id="1" orient="horz" pos="2160" userDrawn="1">
-          <p15:clr>
-            <a:srgbClr val="A4A3A4"/>
-          </p15:clr>
-        </p15:guide>
-        <p15:guide id="2" pos="3840" userDrawn="1">
-          <p15:clr>
-            <a:srgbClr val="A4A3A4"/>
-          </p15:clr>
-        </p15:guide>
-      </p15:sldGuideLst>
+      <p15:sldGuideLst xmlns:p15="http://schemas.microsoft.com/office/powerpoint/2012/main"/>
     </p:ext>
     <p:ext uri="{2D200454-40CA-4A62-9FC3-DE9A4176ACB9}">
       <p15:notesGuideLst xmlns:p15="http://schemas.microsoft.com/office/powerpoint/2012/main"/>
     </p:ext>
   </p:extLst>
 </p:presentation>
-</file>
-
-<file path=ppt/authors.xml><?xml version="1.0" encoding="utf-8"?>
-<p188:authorLst xmlns:a="http://schemas.openxmlformats.org/drawingml/2006/main" xmlns:r="http://schemas.openxmlformats.org/officeDocument/2006/relationships" xmlns:p188="http://schemas.microsoft.com/office/powerpoint/2018/8/main">
-  <p188:author id="{00000000-0000-0000-0000-000000000000}" name="Author" initials="A" userId="Author" providerId="AD"/>
-</p188:authorLst>
 </file>
 
 <file path=ppt/handoutMasters/handoutMaster1.xml><?xml version="1.0" encoding="utf-8"?>
@@ -162,7 +145,7 @@
           <p:cNvPr id="2" name="Header Placeholder 1">
             <a:extLst>
               <a:ext uri="{FF2B5EF4-FFF2-40B4-BE49-F238E27FC236}">
-                <a16:creationId xmlns:a16="http://schemas.microsoft.com/office/drawing/2014/main" id="{54459878-C319-6BF3-52DC-16FA4340A6CA}"/>
+                <a16:creationId xmlns:a16="http://schemas.microsoft.com/office/drawing/2014/main" id="{0D413764-5AD9-E889-944D-1707A854A18F}"/>
               </a:ext>
             </a:extLst>
           </p:cNvPr>
@@ -199,7 +182,7 @@
           <p:cNvPr id="3" name="Date Placeholder 2">
             <a:extLst>
               <a:ext uri="{FF2B5EF4-FFF2-40B4-BE49-F238E27FC236}">
-                <a16:creationId xmlns:a16="http://schemas.microsoft.com/office/drawing/2014/main" id="{C82FA7FC-DFAE-8499-5A3E-AD9648D7FCA1}"/>
+                <a16:creationId xmlns:a16="http://schemas.microsoft.com/office/drawing/2014/main" id="{08045D53-BE96-955D-B578-2BF8F356B799}"/>
               </a:ext>
             </a:extLst>
           </p:cNvPr>
@@ -227,9 +210,9 @@
             </a:lvl1pPr>
           </a:lstStyle>
           <a:p>
-            <a:fld id="{258BFD57-AB0A-470B-A7AF-56DFE7B5174A}" type="datetimeFigureOut">
+            <a:fld id="{584B9C3D-A6AA-4477-AC5E-4C46DDCA9DCD}" type="datetimeFigureOut">
               <a:rPr lang="en-US" smtClean="0"/>
-              <a:t>10/12/24</a:t>
+              <a:t>11/17/2024</a:t>
             </a:fld>
             <a:endParaRPr lang="en-US" dirty="0"/>
           </a:p>
@@ -240,7 +223,7 @@
           <p:cNvPr id="4" name="Footer Placeholder 3">
             <a:extLst>
               <a:ext uri="{FF2B5EF4-FFF2-40B4-BE49-F238E27FC236}">
-                <a16:creationId xmlns:a16="http://schemas.microsoft.com/office/drawing/2014/main" id="{4C9C12BB-9544-9F9A-BEDA-E71686438591}"/>
+                <a16:creationId xmlns:a16="http://schemas.microsoft.com/office/drawing/2014/main" id="{63ED3793-52FB-891B-2A0C-91D89271638A}"/>
               </a:ext>
             </a:extLst>
           </p:cNvPr>
@@ -277,7 +260,7 @@
           <p:cNvPr id="5" name="Slide Number Placeholder 4">
             <a:extLst>
               <a:ext uri="{FF2B5EF4-FFF2-40B4-BE49-F238E27FC236}">
-                <a16:creationId xmlns:a16="http://schemas.microsoft.com/office/drawing/2014/main" id="{7D1E77E4-B9A2-A882-9240-3AE65EE21768}"/>
+                <a16:creationId xmlns:a16="http://schemas.microsoft.com/office/drawing/2014/main" id="{6CB8DAAB-C45C-E833-ECEB-14DCA0F17FC4}"/>
               </a:ext>
             </a:extLst>
           </p:cNvPr>
@@ -305,7 +288,7 @@
             </a:lvl1pPr>
           </a:lstStyle>
           <a:p>
-            <a:fld id="{9E9D61A1-75D9-49F7-83EB-F5872642613A}" type="slidenum">
+            <a:fld id="{84DE28C3-D699-4CA0-B343-5111DC591998}" type="slidenum">
               <a:rPr lang="en-US" smtClean="0"/>
               <a:t>‹#›</a:t>
             </a:fld>
@@ -316,7 +299,7 @@
     </p:spTree>
     <p:extLst>
       <p:ext uri="{BB962C8B-B14F-4D97-AF65-F5344CB8AC3E}">
-        <p14:creationId xmlns:p14="http://schemas.microsoft.com/office/powerpoint/2010/main" val="147732728"/>
+        <p14:creationId xmlns:p14="http://schemas.microsoft.com/office/powerpoint/2010/main" val="1871809801"/>
       </p:ext>
     </p:extLst>
   </p:cSld>
@@ -404,9 +387,9 @@
             </a:lvl1pPr>
           </a:lstStyle>
           <a:p>
-            <a:fld id="{D4B3339F-6CEA-4641-BE08-40DAFD6FCF25}" type="datetimeFigureOut">
+            <a:fld id="{E3938646-CEA8-41F9-BD9F-D1FA107D99CC}" type="datetimeFigureOut">
               <a:rPr lang="en-US" smtClean="0"/>
-              <a:t>10/12/24</a:t>
+              <a:t>11/17/2024</a:t>
             </a:fld>
             <a:endParaRPr lang="en-US" dirty="0"/>
           </a:p>
@@ -562,7 +545,7 @@
             </a:lvl1pPr>
           </a:lstStyle>
           <a:p>
-            <a:fld id="{DEF75CB5-5666-5049-9AE0-38EFD385C21E}" type="slidenum">
+            <a:fld id="{7EB040C8-62D2-4EA7-B200-D3B8C06AAFD8}" type="slidenum">
               <a:rPr lang="en-US" smtClean="0"/>
               <a:t>‹#›</a:t>
             </a:fld>
@@ -573,7 +556,7 @@
     </p:spTree>
     <p:extLst>
       <p:ext uri="{BB962C8B-B14F-4D97-AF65-F5344CB8AC3E}">
-        <p14:creationId xmlns:p14="http://schemas.microsoft.com/office/powerpoint/2010/main" val="475562620"/>
+        <p14:creationId xmlns:p14="http://schemas.microsoft.com/office/powerpoint/2010/main" val="2483067605"/>
       </p:ext>
     </p:extLst>
   </p:cSld>
@@ -678,36 +661,569 @@
   <p:cSld name="Title Only">
     <p:bg>
       <p:bgPr>
-        <a:gradFill>
-          <a:gsLst>
-            <a:gs pos="93000">
+        <a:solidFill>
+          <a:schemeClr val="bg1">
+            <a:lumMod val="95000"/>
+          </a:schemeClr>
+        </a:solidFill>
+        <a:effectLst/>
+      </p:bgPr>
+    </p:bg>
+    <p:spTree>
+      <p:nvGrpSpPr>
+        <p:cNvPr id="1" name=""/>
+        <p:cNvGrpSpPr/>
+        <p:nvPr/>
+      </p:nvGrpSpPr>
+      <p:grpSpPr>
+        <a:xfrm>
+          <a:off x="0" y="0"/>
+          <a:ext cx="0" cy="0"/>
+          <a:chOff x="0" y="0"/>
+          <a:chExt cx="0" cy="0"/>
+        </a:xfrm>
+      </p:grpSpPr>
+      <p:sp>
+        <p:nvSpPr>
+          <p:cNvPr id="14" name="Rectangle 13">
+            <a:extLst>
+              <a:ext uri="{FF2B5EF4-FFF2-40B4-BE49-F238E27FC236}">
+                <a16:creationId xmlns:a16="http://schemas.microsoft.com/office/drawing/2014/main" id="{58A66DDD-7D9C-9641-30E9-932C5FD2DAE5}"/>
+              </a:ext>
+              <a:ext uri="{C183D7F6-B498-43B3-948B-1728B52AA6E4}">
+                <adec:decorative xmlns:adec="http://schemas.microsoft.com/office/drawing/2017/decorative" val="1"/>
+              </a:ext>
+            </a:extLst>
+          </p:cNvPr>
+          <p:cNvSpPr/>
+          <p:nvPr userDrawn="1"/>
+        </p:nvSpPr>
+        <p:spPr>
+          <a:xfrm>
+            <a:off x="9683715" y="0"/>
+            <a:ext cx="2497331" cy="6858000"/>
+          </a:xfrm>
+          <a:prstGeom prst="rect">
+            <a:avLst/>
+          </a:prstGeom>
+          <a:solidFill>
+            <a:schemeClr val="bg2">
+              <a:lumMod val="90000"/>
+            </a:schemeClr>
+          </a:solidFill>
+          <a:ln>
+            <a:noFill/>
+          </a:ln>
+        </p:spPr>
+        <p:style>
+          <a:lnRef idx="2">
+            <a:schemeClr val="accent1">
+              <a:shade val="15000"/>
+            </a:schemeClr>
+          </a:lnRef>
+          <a:fillRef idx="1">
+            <a:schemeClr val="accent1"/>
+          </a:fillRef>
+          <a:effectRef idx="0">
+            <a:schemeClr val="accent1"/>
+          </a:effectRef>
+          <a:fontRef idx="minor">
+            <a:schemeClr val="lt1"/>
+          </a:fontRef>
+        </p:style>
+        <p:txBody>
+          <a:bodyPr rtlCol="0" anchor="ctr"/>
+          <a:lstStyle/>
+          <a:p>
+            <a:pPr algn="ctr"/>
+            <a:endParaRPr lang="en-US" dirty="0"/>
+          </a:p>
+        </p:txBody>
+      </p:sp>
+      <p:sp>
+        <p:nvSpPr>
+          <p:cNvPr id="3" name="Rectangle 2">
+            <a:extLst>
+              <a:ext uri="{FF2B5EF4-FFF2-40B4-BE49-F238E27FC236}">
+                <a16:creationId xmlns:a16="http://schemas.microsoft.com/office/drawing/2014/main" id="{4F640F8B-6B6E-1B1A-7CC7-F44CB188B411}"/>
+              </a:ext>
+              <a:ext uri="{C183D7F6-B498-43B3-948B-1728B52AA6E4}">
+                <adec:decorative xmlns:adec="http://schemas.microsoft.com/office/drawing/2017/decorative" val="1"/>
+              </a:ext>
+            </a:extLst>
+          </p:cNvPr>
+          <p:cNvSpPr/>
+          <p:nvPr userDrawn="1"/>
+        </p:nvSpPr>
+        <p:spPr>
+          <a:xfrm>
+            <a:off x="0" y="0"/>
+            <a:ext cx="2527294" cy="6858000"/>
+          </a:xfrm>
+          <a:prstGeom prst="rect">
+            <a:avLst/>
+          </a:prstGeom>
+          <a:solidFill>
+            <a:schemeClr val="bg2">
+              <a:lumMod val="90000"/>
+            </a:schemeClr>
+          </a:solidFill>
+          <a:ln>
+            <a:noFill/>
+          </a:ln>
+        </p:spPr>
+        <p:style>
+          <a:lnRef idx="2">
+            <a:schemeClr val="accent1">
+              <a:shade val="15000"/>
+            </a:schemeClr>
+          </a:lnRef>
+          <a:fillRef idx="1">
+            <a:schemeClr val="accent1"/>
+          </a:fillRef>
+          <a:effectRef idx="0">
+            <a:schemeClr val="accent1"/>
+          </a:effectRef>
+          <a:fontRef idx="minor">
+            <a:schemeClr val="lt1"/>
+          </a:fontRef>
+        </p:style>
+        <p:txBody>
+          <a:bodyPr rtlCol="0" anchor="ctr"/>
+          <a:lstStyle/>
+          <a:p>
+            <a:pPr algn="ctr"/>
+            <a:endParaRPr lang="en-US" dirty="0"/>
+          </a:p>
+        </p:txBody>
+      </p:sp>
+      <p:sp>
+        <p:nvSpPr>
+          <p:cNvPr id="2" name="Title 1">
+            <a:extLst>
+              <a:ext uri="{FF2B5EF4-FFF2-40B4-BE49-F238E27FC236}">
+                <a16:creationId xmlns:a16="http://schemas.microsoft.com/office/drawing/2014/main" id="{D17EEDCF-A8F9-709D-CE34-6E183D26C2C2}"/>
+              </a:ext>
+            </a:extLst>
+          </p:cNvPr>
+          <p:cNvSpPr>
+            <a:spLocks noGrp="1"/>
+          </p:cNvSpPr>
+          <p:nvPr>
+            <p:ph type="title" hasCustomPrompt="1"/>
+          </p:nvPr>
+        </p:nvSpPr>
+        <p:spPr>
+          <a:xfrm>
+            <a:off x="2527301" y="1748633"/>
+            <a:ext cx="7156415" cy="3360734"/>
+          </a:xfrm>
+        </p:spPr>
+        <p:txBody>
+          <a:bodyPr tIns="0" bIns="0" anchor="ctr">
+            <a:noAutofit/>
+          </a:bodyPr>
+          <a:lstStyle>
+            <a:lvl1pPr algn="ctr">
+              <a:defRPr sz="5400">
+                <a:solidFill>
+                  <a:schemeClr val="tx2"/>
+                </a:solidFill>
+              </a:defRPr>
+            </a:lvl1pPr>
+          </a:lstStyle>
+          <a:p>
+            <a:r>
+              <a:rPr lang="en-US" dirty="0"/>
+              <a:t>Click to Add title</a:t>
+            </a:r>
+          </a:p>
+        </p:txBody>
+      </p:sp>
+      <p:sp>
+        <p:nvSpPr>
+          <p:cNvPr id="5" name="Rectangle 4">
+            <a:extLst>
+              <a:ext uri="{FF2B5EF4-FFF2-40B4-BE49-F238E27FC236}">
+                <a16:creationId xmlns:a16="http://schemas.microsoft.com/office/drawing/2014/main" id="{9294B31B-4290-C588-1212-26E6B428FDF5}"/>
+              </a:ext>
+              <a:ext uri="{C183D7F6-B498-43B3-948B-1728B52AA6E4}">
+                <adec:decorative xmlns:adec="http://schemas.microsoft.com/office/drawing/2017/decorative" val="1"/>
+              </a:ext>
+            </a:extLst>
+          </p:cNvPr>
+          <p:cNvSpPr/>
+          <p:nvPr userDrawn="1"/>
+        </p:nvSpPr>
+        <p:spPr>
+          <a:xfrm>
+            <a:off x="250825" y="254794"/>
+            <a:ext cx="11690350" cy="6348413"/>
+          </a:xfrm>
+          <a:prstGeom prst="rect">
+            <a:avLst/>
+          </a:prstGeom>
+          <a:noFill/>
+          <a:ln w="44450">
+            <a:solidFill>
               <a:schemeClr val="tx2"/>
-            </a:gs>
-            <a:gs pos="81000">
-              <a:schemeClr val="accent6">
-                <a:lumMod val="50000"/>
-              </a:schemeClr>
-            </a:gs>
-            <a:gs pos="27000">
+            </a:solidFill>
+          </a:ln>
+        </p:spPr>
+        <p:style>
+          <a:lnRef idx="2">
+            <a:schemeClr val="accent1">
+              <a:shade val="15000"/>
+            </a:schemeClr>
+          </a:lnRef>
+          <a:fillRef idx="1">
+            <a:schemeClr val="accent1"/>
+          </a:fillRef>
+          <a:effectRef idx="0">
+            <a:schemeClr val="accent1"/>
+          </a:effectRef>
+          <a:fontRef idx="minor">
+            <a:schemeClr val="lt1"/>
+          </a:fontRef>
+        </p:style>
+        <p:txBody>
+          <a:bodyPr rtlCol="0" anchor="ctr"/>
+          <a:lstStyle/>
+          <a:p>
+            <a:pPr algn="ctr"/>
+            <a:endParaRPr lang="en-US" dirty="0"/>
+          </a:p>
+        </p:txBody>
+      </p:sp>
+      <p:grpSp>
+        <p:nvGrpSpPr>
+          <p:cNvPr id="13" name="Group 12">
+            <a:extLst>
+              <a:ext uri="{FF2B5EF4-FFF2-40B4-BE49-F238E27FC236}">
+                <a16:creationId xmlns:a16="http://schemas.microsoft.com/office/drawing/2014/main" id="{C859A209-D12B-6E67-931A-5CB9E71100EC}"/>
+              </a:ext>
+              <a:ext uri="{C183D7F6-B498-43B3-948B-1728B52AA6E4}">
+                <adec:decorative xmlns:adec="http://schemas.microsoft.com/office/drawing/2017/decorative" val="1"/>
+              </a:ext>
+            </a:extLst>
+          </p:cNvPr>
+          <p:cNvGrpSpPr/>
+          <p:nvPr userDrawn="1"/>
+        </p:nvGrpSpPr>
+        <p:grpSpPr>
+          <a:xfrm>
+            <a:off x="1971692" y="254794"/>
+            <a:ext cx="8248616" cy="6367462"/>
+            <a:chOff x="1689101" y="254794"/>
+            <a:chExt cx="8248616" cy="6367462"/>
+          </a:xfrm>
+        </p:grpSpPr>
+        <p:cxnSp>
+          <p:nvCxnSpPr>
+            <p:cNvPr id="6" name="Straight Connector 5">
+              <a:extLst>
+                <a:ext uri="{FF2B5EF4-FFF2-40B4-BE49-F238E27FC236}">
+                  <a16:creationId xmlns:a16="http://schemas.microsoft.com/office/drawing/2014/main" id="{28628E6D-0C29-7F8E-67C4-175F211E705F}"/>
+                </a:ext>
+              </a:extLst>
+            </p:cNvPr>
+            <p:cNvCxnSpPr>
+              <a:cxnSpLocks/>
+            </p:cNvCxnSpPr>
+            <p:nvPr userDrawn="1"/>
+          </p:nvCxnSpPr>
+          <p:spPr>
+            <a:xfrm>
+              <a:off x="1689101" y="254794"/>
+              <a:ext cx="0" cy="2799556"/>
+            </a:xfrm>
+            <a:prstGeom prst="line">
+              <a:avLst/>
+            </a:prstGeom>
+            <a:ln w="44450">
+              <a:solidFill>
+                <a:schemeClr val="tx2"/>
+              </a:solidFill>
+            </a:ln>
+          </p:spPr>
+          <p:style>
+            <a:lnRef idx="1">
+              <a:schemeClr val="accent1"/>
+            </a:lnRef>
+            <a:fillRef idx="0">
+              <a:schemeClr val="accent1"/>
+            </a:fillRef>
+            <a:effectRef idx="0">
+              <a:schemeClr val="accent1"/>
+            </a:effectRef>
+            <a:fontRef idx="minor">
               <a:schemeClr val="tx1"/>
-            </a:gs>
-            <a:gs pos="8000">
-              <a:schemeClr val="accent4">
-                <a:lumMod val="75000"/>
-              </a:schemeClr>
-            </a:gs>
-            <a:gs pos="0">
-              <a:schemeClr val="accent4"/>
-            </a:gs>
-            <a:gs pos="99000">
-              <a:schemeClr val="tx2">
-                <a:lumMod val="40000"/>
-                <a:lumOff val="60000"/>
-              </a:schemeClr>
-            </a:gs>
-          </a:gsLst>
-          <a:lin ang="12600000" scaled="0"/>
-        </a:gradFill>
+            </a:fontRef>
+          </p:style>
+        </p:cxnSp>
+        <p:cxnSp>
+          <p:nvCxnSpPr>
+            <p:cNvPr id="8" name="Straight Connector 7">
+              <a:extLst>
+                <a:ext uri="{FF2B5EF4-FFF2-40B4-BE49-F238E27FC236}">
+                  <a16:creationId xmlns:a16="http://schemas.microsoft.com/office/drawing/2014/main" id="{45D0695C-2845-A017-44FF-AC8172007732}"/>
+                </a:ext>
+              </a:extLst>
+            </p:cNvPr>
+            <p:cNvCxnSpPr>
+              <a:cxnSpLocks/>
+            </p:cNvCxnSpPr>
+            <p:nvPr userDrawn="1"/>
+          </p:nvCxnSpPr>
+          <p:spPr>
+            <a:xfrm>
+              <a:off x="1689101" y="3822700"/>
+              <a:ext cx="0" cy="2799556"/>
+            </a:xfrm>
+            <a:prstGeom prst="line">
+              <a:avLst/>
+            </a:prstGeom>
+            <a:ln w="44450">
+              <a:solidFill>
+                <a:schemeClr val="tx2"/>
+              </a:solidFill>
+            </a:ln>
+          </p:spPr>
+          <p:style>
+            <a:lnRef idx="1">
+              <a:schemeClr val="accent1"/>
+            </a:lnRef>
+            <a:fillRef idx="0">
+              <a:schemeClr val="accent1"/>
+            </a:fillRef>
+            <a:effectRef idx="0">
+              <a:schemeClr val="accent1"/>
+            </a:effectRef>
+            <a:fontRef idx="minor">
+              <a:schemeClr val="tx1"/>
+            </a:fontRef>
+          </p:style>
+        </p:cxnSp>
+        <p:cxnSp>
+          <p:nvCxnSpPr>
+            <p:cNvPr id="9" name="Straight Connector 8">
+              <a:extLst>
+                <a:ext uri="{FF2B5EF4-FFF2-40B4-BE49-F238E27FC236}">
+                  <a16:creationId xmlns:a16="http://schemas.microsoft.com/office/drawing/2014/main" id="{7C4F8C32-8C97-2BA7-D756-712EEDF1439D}"/>
+                </a:ext>
+              </a:extLst>
+            </p:cNvPr>
+            <p:cNvCxnSpPr>
+              <a:cxnSpLocks/>
+            </p:cNvCxnSpPr>
+            <p:nvPr userDrawn="1"/>
+          </p:nvCxnSpPr>
+          <p:spPr>
+            <a:xfrm>
+              <a:off x="9937717" y="254794"/>
+              <a:ext cx="0" cy="2799556"/>
+            </a:xfrm>
+            <a:prstGeom prst="line">
+              <a:avLst/>
+            </a:prstGeom>
+            <a:ln w="44450">
+              <a:solidFill>
+                <a:schemeClr val="tx2"/>
+              </a:solidFill>
+            </a:ln>
+          </p:spPr>
+          <p:style>
+            <a:lnRef idx="1">
+              <a:schemeClr val="accent1"/>
+            </a:lnRef>
+            <a:fillRef idx="0">
+              <a:schemeClr val="accent1"/>
+            </a:fillRef>
+            <a:effectRef idx="0">
+              <a:schemeClr val="accent1"/>
+            </a:effectRef>
+            <a:fontRef idx="minor">
+              <a:schemeClr val="tx1"/>
+            </a:fontRef>
+          </p:style>
+        </p:cxnSp>
+        <p:cxnSp>
+          <p:nvCxnSpPr>
+            <p:cNvPr id="10" name="Straight Connector 9">
+              <a:extLst>
+                <a:ext uri="{FF2B5EF4-FFF2-40B4-BE49-F238E27FC236}">
+                  <a16:creationId xmlns:a16="http://schemas.microsoft.com/office/drawing/2014/main" id="{AA53929D-82C0-204B-3528-E111E5608AE6}"/>
+                </a:ext>
+              </a:extLst>
+            </p:cNvPr>
+            <p:cNvCxnSpPr>
+              <a:cxnSpLocks/>
+            </p:cNvCxnSpPr>
+            <p:nvPr userDrawn="1"/>
+          </p:nvCxnSpPr>
+          <p:spPr>
+            <a:xfrm>
+              <a:off x="9937717" y="3822700"/>
+              <a:ext cx="0" cy="2799556"/>
+            </a:xfrm>
+            <a:prstGeom prst="line">
+              <a:avLst/>
+            </a:prstGeom>
+            <a:ln w="44450">
+              <a:solidFill>
+                <a:schemeClr val="tx2"/>
+              </a:solidFill>
+            </a:ln>
+          </p:spPr>
+          <p:style>
+            <a:lnRef idx="1">
+              <a:schemeClr val="accent1"/>
+            </a:lnRef>
+            <a:fillRef idx="0">
+              <a:schemeClr val="accent1"/>
+            </a:fillRef>
+            <a:effectRef idx="0">
+              <a:schemeClr val="accent1"/>
+            </a:effectRef>
+            <a:fontRef idx="minor">
+              <a:schemeClr val="tx1"/>
+            </a:fontRef>
+          </p:style>
+        </p:cxnSp>
+      </p:grpSp>
+      <p:grpSp>
+        <p:nvGrpSpPr>
+          <p:cNvPr id="16" name="Group 15">
+            <a:extLst>
+              <a:ext uri="{FF2B5EF4-FFF2-40B4-BE49-F238E27FC236}">
+                <a16:creationId xmlns:a16="http://schemas.microsoft.com/office/drawing/2014/main" id="{DC68DE2F-0A5F-60BA-E2A6-247EF7CB8573}"/>
+              </a:ext>
+              <a:ext uri="{C183D7F6-B498-43B3-948B-1728B52AA6E4}">
+                <adec:decorative xmlns:adec="http://schemas.microsoft.com/office/drawing/2017/decorative" val="1"/>
+              </a:ext>
+            </a:extLst>
+          </p:cNvPr>
+          <p:cNvGrpSpPr/>
+          <p:nvPr userDrawn="1"/>
+        </p:nvGrpSpPr>
+        <p:grpSpPr>
+          <a:xfrm>
+            <a:off x="1971690" y="1543050"/>
+            <a:ext cx="8248611" cy="3771900"/>
+            <a:chOff x="2517792" y="1651000"/>
+            <a:chExt cx="7165925" cy="3771900"/>
+          </a:xfrm>
+        </p:grpSpPr>
+        <p:cxnSp>
+          <p:nvCxnSpPr>
+            <p:cNvPr id="12" name="Straight Connector 11">
+              <a:extLst>
+                <a:ext uri="{FF2B5EF4-FFF2-40B4-BE49-F238E27FC236}">
+                  <a16:creationId xmlns:a16="http://schemas.microsoft.com/office/drawing/2014/main" id="{D2DE19A1-6F20-44CE-16E6-E01C080DB715}"/>
+                </a:ext>
+              </a:extLst>
+            </p:cNvPr>
+            <p:cNvCxnSpPr>
+              <a:cxnSpLocks/>
+            </p:cNvCxnSpPr>
+            <p:nvPr userDrawn="1"/>
+          </p:nvCxnSpPr>
+          <p:spPr>
+            <a:xfrm>
+              <a:off x="2527301" y="1651000"/>
+              <a:ext cx="7156416" cy="0"/>
+            </a:xfrm>
+            <a:prstGeom prst="line">
+              <a:avLst/>
+            </a:prstGeom>
+            <a:ln w="44450">
+              <a:solidFill>
+                <a:schemeClr val="tx2"/>
+              </a:solidFill>
+            </a:ln>
+          </p:spPr>
+          <p:style>
+            <a:lnRef idx="1">
+              <a:schemeClr val="accent1"/>
+            </a:lnRef>
+            <a:fillRef idx="0">
+              <a:schemeClr val="accent1"/>
+            </a:fillRef>
+            <a:effectRef idx="0">
+              <a:schemeClr val="accent1"/>
+            </a:effectRef>
+            <a:fontRef idx="minor">
+              <a:schemeClr val="tx1"/>
+            </a:fontRef>
+          </p:style>
+        </p:cxnSp>
+        <p:cxnSp>
+          <p:nvCxnSpPr>
+            <p:cNvPr id="15" name="Straight Connector 14">
+              <a:extLst>
+                <a:ext uri="{FF2B5EF4-FFF2-40B4-BE49-F238E27FC236}">
+                  <a16:creationId xmlns:a16="http://schemas.microsoft.com/office/drawing/2014/main" id="{7A302056-7C77-84A9-00C4-C936CDB0EC14}"/>
+                </a:ext>
+              </a:extLst>
+            </p:cNvPr>
+            <p:cNvCxnSpPr>
+              <a:cxnSpLocks/>
+            </p:cNvCxnSpPr>
+            <p:nvPr userDrawn="1"/>
+          </p:nvCxnSpPr>
+          <p:spPr>
+            <a:xfrm>
+              <a:off x="2517792" y="5422900"/>
+              <a:ext cx="7156416" cy="0"/>
+            </a:xfrm>
+            <a:prstGeom prst="line">
+              <a:avLst/>
+            </a:prstGeom>
+            <a:ln w="44450">
+              <a:solidFill>
+                <a:schemeClr val="tx2"/>
+              </a:solidFill>
+            </a:ln>
+          </p:spPr>
+          <p:style>
+            <a:lnRef idx="1">
+              <a:schemeClr val="accent1"/>
+            </a:lnRef>
+            <a:fillRef idx="0">
+              <a:schemeClr val="accent1"/>
+            </a:fillRef>
+            <a:effectRef idx="0">
+              <a:schemeClr val="accent1"/>
+            </a:effectRef>
+            <a:fontRef idx="minor">
+              <a:schemeClr val="tx1"/>
+            </a:fontRef>
+          </p:style>
+        </p:cxnSp>
+      </p:grpSp>
+    </p:spTree>
+    <p:extLst>
+      <p:ext uri="{BB962C8B-B14F-4D97-AF65-F5344CB8AC3E}">
+        <p14:creationId xmlns:p14="http://schemas.microsoft.com/office/powerpoint/2010/main" val="2933199872"/>
+      </p:ext>
+    </p:extLst>
+  </p:cSld>
+  <p:clrMapOvr>
+    <a:masterClrMapping/>
+  </p:clrMapOvr>
+</p:sldLayout>
+</file>
+
+<file path=ppt/slideLayouts/slideLayout2.xml><?xml version="1.0" encoding="utf-8"?>
+<p:sldLayout xmlns:a="http://schemas.openxmlformats.org/drawingml/2006/main" xmlns:r="http://schemas.openxmlformats.org/officeDocument/2006/relationships" xmlns:p="http://schemas.openxmlformats.org/presentationml/2006/main" preserve="1" userDrawn="1">
+  <p:cSld name="Title and Content">
+    <p:bg>
+      <p:bgPr>
+        <a:solidFill>
+          <a:schemeClr val="bg1">
+            <a:lumMod val="95000"/>
+          </a:schemeClr>
+        </a:solidFill>
         <a:effectLst/>
       </p:bgPr>
     </p:bg>
@@ -727,10 +1243,10 @@
       </p:grpSpPr>
       <p:pic>
         <p:nvPicPr>
-          <p:cNvPr id="3" name="Picture 2">
+          <p:cNvPr id="4" name="Graphic 3">
             <a:extLst>
               <a:ext uri="{FF2B5EF4-FFF2-40B4-BE49-F238E27FC236}">
-                <a16:creationId xmlns:a16="http://schemas.microsoft.com/office/drawing/2014/main" id="{D1BA6450-E291-DC40-F198-C02B485137B0}"/>
+                <a16:creationId xmlns:a16="http://schemas.microsoft.com/office/drawing/2014/main" id="{0BCEE60A-6295-FCD1-542F-52EA50B3B4A9}"/>
               </a:ext>
               <a:ext uri="{C183D7F6-B498-43B3-948B-1728B52AA6E4}">
                 <adec:decorative xmlns:adec="http://schemas.microsoft.com/office/drawing/2017/decorative" val="1"/>
@@ -743,20 +1259,64 @@
           <p:nvPr userDrawn="1"/>
         </p:nvPicPr>
         <p:blipFill rotWithShape="1">
-          <a:blip r:embed="rId2" cstate="screen">
+          <a:blip r:embed="rId2" cstate="print">
             <a:extLst>
               <a:ext uri="{28A0092B-C50C-407E-A947-70E740481C1C}">
                 <a14:useLocalDpi xmlns:a14="http://schemas.microsoft.com/office/drawing/2010/main"/>
               </a:ext>
+              <a:ext uri="{96DAC541-7B7A-43D3-8B79-37D633B846F1}">
+                <asvg:svgBlip xmlns:asvg="http://schemas.microsoft.com/office/drawing/2016/SVG/main" r:embed="rId3"/>
+              </a:ext>
             </a:extLst>
           </a:blip>
-          <a:srcRect/>
+          <a:srcRect t="1" b="51031"/>
           <a:stretch/>
         </p:blipFill>
         <p:spPr>
-          <a:xfrm>
-            <a:off x="3" y="1"/>
-            <a:ext cx="12192003" cy="6857999"/>
+          <a:xfrm rot="16200000">
+            <a:off x="7083880" y="1749876"/>
+            <a:ext cx="6858000" cy="3358241"/>
+          </a:xfrm>
+          <a:prstGeom prst="rect">
+            <a:avLst/>
+          </a:prstGeom>
+        </p:spPr>
+      </p:pic>
+      <p:pic>
+        <p:nvPicPr>
+          <p:cNvPr id="3" name="Graphic 2">
+            <a:extLst>
+              <a:ext uri="{FF2B5EF4-FFF2-40B4-BE49-F238E27FC236}">
+                <a16:creationId xmlns:a16="http://schemas.microsoft.com/office/drawing/2014/main" id="{02E5EBF7-4D05-239B-0B70-F9AD5B569091}"/>
+              </a:ext>
+              <a:ext uri="{C183D7F6-B498-43B3-948B-1728B52AA6E4}">
+                <adec:decorative xmlns:adec="http://schemas.microsoft.com/office/drawing/2017/decorative" val="1"/>
+              </a:ext>
+            </a:extLst>
+          </p:cNvPr>
+          <p:cNvPicPr>
+            <a:picLocks noChangeAspect="1"/>
+          </p:cNvPicPr>
+          <p:nvPr userDrawn="1"/>
+        </p:nvPicPr>
+        <p:blipFill rotWithShape="1">
+          <a:blip r:embed="rId2" cstate="print">
+            <a:extLst>
+              <a:ext uri="{28A0092B-C50C-407E-A947-70E740481C1C}">
+                <a14:useLocalDpi xmlns:a14="http://schemas.microsoft.com/office/drawing/2010/main"/>
+              </a:ext>
+              <a:ext uri="{96DAC541-7B7A-43D3-8B79-37D633B846F1}">
+                <asvg:svgBlip xmlns:asvg="http://schemas.microsoft.com/office/drawing/2016/SVG/main" r:embed="rId3"/>
+              </a:ext>
+            </a:extLst>
+          </a:blip>
+          <a:srcRect b="21667"/>
+          <a:stretch/>
+        </p:blipFill>
+        <p:spPr>
+          <a:xfrm rot="5400000">
+            <a:off x="-742950" y="742950"/>
+            <a:ext cx="6858000" cy="5372100"/>
           </a:xfrm>
           <a:prstGeom prst="rect">
             <a:avLst/>
@@ -768,7 +1328,7 @@
           <p:cNvPr id="2" name="Title 1">
             <a:extLst>
               <a:ext uri="{FF2B5EF4-FFF2-40B4-BE49-F238E27FC236}">
-                <a16:creationId xmlns:a16="http://schemas.microsoft.com/office/drawing/2014/main" id="{3A462FF1-D97D-8505-FE7F-8B2DB411A8B1}"/>
+                <a16:creationId xmlns:a16="http://schemas.microsoft.com/office/drawing/2014/main" id="{D17EEDCF-A8F9-709D-CE34-6E183D26C2C2}"/>
               </a:ext>
             </a:extLst>
           </p:cNvPr>
@@ -780,22 +1340,21 @@
           </p:nvPr>
         </p:nvSpPr>
         <p:spPr>
-          <a:xfrm>
-            <a:off x="3" y="1821180"/>
-            <a:ext cx="12191994" cy="3215641"/>
+          <a:xfrm rot="16200000">
+            <a:off x="-1749423" y="2290758"/>
+            <a:ext cx="6276974" cy="2276477"/>
           </a:xfrm>
+          <a:effectLst/>
         </p:spPr>
         <p:txBody>
-          <a:bodyPr lIns="0" rIns="0" bIns="0" anchor="ctr" anchorCtr="0">
+          <a:bodyPr tIns="0" bIns="0" anchor="ctr">
             <a:noAutofit/>
           </a:bodyPr>
           <a:lstStyle>
             <a:lvl1pPr algn="ctr">
-              <a:defRPr sz="6000" kern="1200" cap="all" spc="300" baseline="0">
+              <a:defRPr sz="4000" b="0" cap="all" spc="0" baseline="0">
                 <a:solidFill>
-                  <a:schemeClr val="accent3">
-                    <a:lumMod val="75000"/>
-                  </a:schemeClr>
+                  <a:schemeClr val="tx2"/>
                 </a:solidFill>
               </a:defRPr>
             </a:lvl1pPr>
@@ -803,67 +1362,353 @@
           <a:p>
             <a:r>
               <a:rPr lang="en-US" dirty="0"/>
-              <a:t>Click to add title</a:t>
+              <a:t>Click to Add title</a:t>
             </a:r>
           </a:p>
         </p:txBody>
       </p:sp>
+      <p:sp>
+        <p:nvSpPr>
+          <p:cNvPr id="5" name="Slide Number Placeholder 4">
+            <a:extLst>
+              <a:ext uri="{FF2B5EF4-FFF2-40B4-BE49-F238E27FC236}">
+                <a16:creationId xmlns:a16="http://schemas.microsoft.com/office/drawing/2014/main" id="{540552D2-6E8F-FBA4-5AAD-121E6FDF38F3}"/>
+              </a:ext>
+            </a:extLst>
+          </p:cNvPr>
+          <p:cNvSpPr>
+            <a:spLocks noGrp="1"/>
+          </p:cNvSpPr>
+          <p:nvPr>
+            <p:ph type="sldNum" sz="quarter" idx="12"/>
+          </p:nvPr>
+        </p:nvSpPr>
+        <p:spPr>
+          <a:xfrm>
+            <a:off x="2194590" y="3062287"/>
+            <a:ext cx="665421" cy="766763"/>
+          </a:xfrm>
+          <a:prstGeom prst="rect">
+            <a:avLst/>
+          </a:prstGeom>
+          <a:noFill/>
+          <a:effectLst/>
+        </p:spPr>
+        <p:txBody>
+          <a:bodyPr lIns="0" rIns="0"/>
+          <a:lstStyle>
+            <a:lvl1pPr algn="ctr">
+              <a:defRPr lang="en-US" sz="1800" b="1" kern="1200" cap="all" spc="150" baseline="0" smtClean="0">
+                <a:solidFill>
+                  <a:schemeClr val="tx2"/>
+                </a:solidFill>
+                <a:latin typeface="+mn-lt"/>
+                <a:ea typeface="+mn-ea"/>
+                <a:cs typeface="+mn-cs"/>
+              </a:defRPr>
+            </a:lvl1pPr>
+          </a:lstStyle>
+          <a:p>
+            <a:fld id="{8A7A6979-0714-4377-B894-6BE4C2D6E202}" type="slidenum">
+              <a:rPr lang="en-US" smtClean="0"/>
+              <a:pPr/>
+              <a:t>‹#›</a:t>
+            </a:fld>
+            <a:endParaRPr lang="en-US" dirty="0"/>
+          </a:p>
+        </p:txBody>
+      </p:sp>
+      <p:sp>
+        <p:nvSpPr>
+          <p:cNvPr id="7" name="Content Placeholder 6">
+            <a:extLst>
+              <a:ext uri="{FF2B5EF4-FFF2-40B4-BE49-F238E27FC236}">
+                <a16:creationId xmlns:a16="http://schemas.microsoft.com/office/drawing/2014/main" id="{1607AAD3-3E7E-4AA4-9B8A-E76C79C5D091}"/>
+              </a:ext>
+            </a:extLst>
+          </p:cNvPr>
+          <p:cNvSpPr>
+            <a:spLocks noGrp="1"/>
+          </p:cNvSpPr>
+          <p:nvPr>
+            <p:ph sz="quarter" idx="13" hasCustomPrompt="1"/>
+          </p:nvPr>
+        </p:nvSpPr>
+        <p:spPr>
+          <a:xfrm>
+            <a:off x="5372100" y="892175"/>
+            <a:ext cx="3461659" cy="5073650"/>
+          </a:xfrm>
+          <a:effectLst/>
+        </p:spPr>
+        <p:txBody>
+          <a:bodyPr anchor="ctr">
+            <a:normAutofit/>
+          </a:bodyPr>
+          <a:lstStyle>
+            <a:lvl1pPr marL="0" indent="0" algn="ctr">
+              <a:spcAft>
+                <a:spcPts val="600"/>
+              </a:spcAft>
+              <a:buNone/>
+              <a:defRPr sz="2400">
+                <a:solidFill>
+                  <a:schemeClr val="tx2"/>
+                </a:solidFill>
+              </a:defRPr>
+            </a:lvl1pPr>
+            <a:lvl2pPr marL="228600" indent="0" algn="ctr">
+              <a:spcAft>
+                <a:spcPts val="600"/>
+              </a:spcAft>
+              <a:buNone/>
+              <a:defRPr sz="2000">
+                <a:solidFill>
+                  <a:schemeClr val="tx2"/>
+                </a:solidFill>
+              </a:defRPr>
+            </a:lvl2pPr>
+            <a:lvl3pPr marL="457200" indent="0" algn="ctr">
+              <a:spcAft>
+                <a:spcPts val="600"/>
+              </a:spcAft>
+              <a:buNone/>
+              <a:defRPr sz="2000">
+                <a:solidFill>
+                  <a:schemeClr val="tx2"/>
+                </a:solidFill>
+              </a:defRPr>
+            </a:lvl3pPr>
+            <a:lvl4pPr marL="685800" indent="0" algn="ctr">
+              <a:spcAft>
+                <a:spcPts val="600"/>
+              </a:spcAft>
+              <a:buNone/>
+              <a:defRPr sz="2000">
+                <a:solidFill>
+                  <a:schemeClr val="tx2"/>
+                </a:solidFill>
+              </a:defRPr>
+            </a:lvl4pPr>
+            <a:lvl5pPr marL="914400" indent="0" algn="ctr">
+              <a:spcAft>
+                <a:spcPts val="600"/>
+              </a:spcAft>
+              <a:buNone/>
+              <a:defRPr sz="2000">
+                <a:solidFill>
+                  <a:schemeClr val="tx2"/>
+                </a:solidFill>
+              </a:defRPr>
+            </a:lvl5pPr>
+          </a:lstStyle>
+          <a:p>
+            <a:pPr lvl="0"/>
+            <a:r>
+              <a:rPr lang="en-US" dirty="0"/>
+              <a:t>Click to add content</a:t>
+            </a:r>
+          </a:p>
+          <a:p>
+            <a:pPr lvl="1"/>
+            <a:r>
+              <a:rPr lang="en-US" dirty="0"/>
+              <a:t>Second level</a:t>
+            </a:r>
+          </a:p>
+          <a:p>
+            <a:pPr lvl="2"/>
+            <a:r>
+              <a:rPr lang="en-US" dirty="0"/>
+              <a:t>Third level</a:t>
+            </a:r>
+          </a:p>
+          <a:p>
+            <a:pPr lvl="3"/>
+            <a:r>
+              <a:rPr lang="en-US" dirty="0"/>
+              <a:t>Fourth level</a:t>
+            </a:r>
+          </a:p>
+          <a:p>
+            <a:pPr lvl="4"/>
+            <a:r>
+              <a:rPr lang="en-US" dirty="0"/>
+              <a:t>Fifth level</a:t>
+            </a:r>
+          </a:p>
+        </p:txBody>
+      </p:sp>
+      <p:sp>
+        <p:nvSpPr>
+          <p:cNvPr id="20" name="Rectangle 19">
+            <a:extLst>
+              <a:ext uri="{FF2B5EF4-FFF2-40B4-BE49-F238E27FC236}">
+                <a16:creationId xmlns:a16="http://schemas.microsoft.com/office/drawing/2014/main" id="{9C667425-5376-9A12-6412-4B63AC528F92}"/>
+              </a:ext>
+              <a:ext uri="{C183D7F6-B498-43B3-948B-1728B52AA6E4}">
+                <adec:decorative xmlns:adec="http://schemas.microsoft.com/office/drawing/2017/decorative" val="1"/>
+              </a:ext>
+            </a:extLst>
+          </p:cNvPr>
+          <p:cNvSpPr/>
+          <p:nvPr userDrawn="1"/>
+        </p:nvSpPr>
+        <p:spPr>
+          <a:xfrm>
+            <a:off x="250825" y="254794"/>
+            <a:ext cx="11690350" cy="6348413"/>
+          </a:xfrm>
+          <a:prstGeom prst="rect">
+            <a:avLst/>
+          </a:prstGeom>
+          <a:noFill/>
+          <a:ln w="44450">
+            <a:solidFill>
+              <a:schemeClr val="tx2"/>
+            </a:solidFill>
+          </a:ln>
+        </p:spPr>
+        <p:style>
+          <a:lnRef idx="2">
+            <a:schemeClr val="accent1">
+              <a:shade val="15000"/>
+            </a:schemeClr>
+          </a:lnRef>
+          <a:fillRef idx="1">
+            <a:schemeClr val="accent1"/>
+          </a:fillRef>
+          <a:effectRef idx="0">
+            <a:schemeClr val="accent1"/>
+          </a:effectRef>
+          <a:fontRef idx="minor">
+            <a:schemeClr val="lt1"/>
+          </a:fontRef>
+        </p:style>
+        <p:txBody>
+          <a:bodyPr rtlCol="0" anchor="ctr"/>
+          <a:lstStyle/>
+          <a:p>
+            <a:pPr algn="ctr"/>
+            <a:endParaRPr lang="en-US" dirty="0"/>
+          </a:p>
+        </p:txBody>
+      </p:sp>
+      <p:cxnSp>
+        <p:nvCxnSpPr>
+          <p:cNvPr id="21" name="Straight Connector 20">
+            <a:extLst>
+              <a:ext uri="{FF2B5EF4-FFF2-40B4-BE49-F238E27FC236}">
+                <a16:creationId xmlns:a16="http://schemas.microsoft.com/office/drawing/2014/main" id="{A1CB2DD8-1852-5728-5E46-28CF0864B9BE}"/>
+              </a:ext>
+              <a:ext uri="{C183D7F6-B498-43B3-948B-1728B52AA6E4}">
+                <adec:decorative xmlns:adec="http://schemas.microsoft.com/office/drawing/2017/decorative" val="1"/>
+              </a:ext>
+            </a:extLst>
+          </p:cNvPr>
+          <p:cNvCxnSpPr>
+            <a:cxnSpLocks/>
+          </p:cNvCxnSpPr>
+          <p:nvPr userDrawn="1"/>
+        </p:nvCxnSpPr>
+        <p:spPr>
+          <a:xfrm>
+            <a:off x="2527301" y="254794"/>
+            <a:ext cx="0" cy="2799556"/>
+          </a:xfrm>
+          <a:prstGeom prst="line">
+            <a:avLst/>
+          </a:prstGeom>
+          <a:ln w="44450">
+            <a:solidFill>
+              <a:schemeClr val="tx2"/>
+            </a:solidFill>
+          </a:ln>
+        </p:spPr>
+        <p:style>
+          <a:lnRef idx="1">
+            <a:schemeClr val="accent1"/>
+          </a:lnRef>
+          <a:fillRef idx="0">
+            <a:schemeClr val="accent1"/>
+          </a:fillRef>
+          <a:effectRef idx="0">
+            <a:schemeClr val="accent1"/>
+          </a:effectRef>
+          <a:fontRef idx="minor">
+            <a:schemeClr val="tx1"/>
+          </a:fontRef>
+        </p:style>
+      </p:cxnSp>
+      <p:cxnSp>
+        <p:nvCxnSpPr>
+          <p:cNvPr id="29" name="Straight Connector 28">
+            <a:extLst>
+              <a:ext uri="{FF2B5EF4-FFF2-40B4-BE49-F238E27FC236}">
+                <a16:creationId xmlns:a16="http://schemas.microsoft.com/office/drawing/2014/main" id="{1741730C-9E61-193C-BBD3-080BB83366EF}"/>
+              </a:ext>
+              <a:ext uri="{C183D7F6-B498-43B3-948B-1728B52AA6E4}">
+                <adec:decorative xmlns:adec="http://schemas.microsoft.com/office/drawing/2017/decorative" val="1"/>
+              </a:ext>
+            </a:extLst>
+          </p:cNvPr>
+          <p:cNvCxnSpPr>
+            <a:cxnSpLocks/>
+          </p:cNvCxnSpPr>
+          <p:nvPr userDrawn="1"/>
+        </p:nvCxnSpPr>
+        <p:spPr>
+          <a:xfrm>
+            <a:off x="2527301" y="3822700"/>
+            <a:ext cx="0" cy="2799556"/>
+          </a:xfrm>
+          <a:prstGeom prst="line">
+            <a:avLst/>
+          </a:prstGeom>
+          <a:ln w="44450">
+            <a:solidFill>
+              <a:schemeClr val="tx2"/>
+            </a:solidFill>
+          </a:ln>
+        </p:spPr>
+        <p:style>
+          <a:lnRef idx="1">
+            <a:schemeClr val="accent1"/>
+          </a:lnRef>
+          <a:fillRef idx="0">
+            <a:schemeClr val="accent1"/>
+          </a:fillRef>
+          <a:effectRef idx="0">
+            <a:schemeClr val="accent1"/>
+          </a:effectRef>
+          <a:fontRef idx="minor">
+            <a:schemeClr val="tx1"/>
+          </a:fontRef>
+        </p:style>
+      </p:cxnSp>
     </p:spTree>
     <p:extLst>
       <p:ext uri="{BB962C8B-B14F-4D97-AF65-F5344CB8AC3E}">
-        <p14:creationId xmlns:p14="http://schemas.microsoft.com/office/powerpoint/2010/main" val="1635045103"/>
+        <p14:creationId xmlns:p14="http://schemas.microsoft.com/office/powerpoint/2010/main" val="1735141159"/>
       </p:ext>
     </p:extLst>
   </p:cSld>
   <p:clrMapOvr>
     <a:masterClrMapping/>
   </p:clrMapOvr>
-  <p:extLst>
-    <p:ext uri="{DCECCB84-F9BA-43D5-87BE-67443E8EF086}">
-      <p15:sldGuideLst xmlns:p15="http://schemas.microsoft.com/office/powerpoint/2012/main">
-        <p15:guide id="1" orient="horz" pos="2160" userDrawn="1">
-          <p15:clr>
-            <a:srgbClr val="FBAE40"/>
-          </p15:clr>
-        </p15:guide>
-        <p15:guide id="2" pos="3840" userDrawn="1">
-          <p15:clr>
-            <a:srgbClr val="FBAE40"/>
-          </p15:clr>
-        </p15:guide>
-      </p15:sldGuideLst>
-    </p:ext>
-  </p:extLst>
 </p:sldLayout>
 </file>
 
-<file path=ppt/slideLayouts/slideLayout2.xml><?xml version="1.0" encoding="utf-8"?>
+<file path=ppt/slideLayouts/slideLayout3.xml><?xml version="1.0" encoding="utf-8"?>
 <p:sldLayout xmlns:a="http://schemas.openxmlformats.org/drawingml/2006/main" xmlns:r="http://schemas.openxmlformats.org/officeDocument/2006/relationships" xmlns:p="http://schemas.openxmlformats.org/presentationml/2006/main" preserve="1" userDrawn="1">
-  <p:cSld name="Title and Content">
+  <p:cSld name="Title and Picture 1">
     <p:bg>
       <p:bgPr>
-        <a:gradFill>
-          <a:gsLst>
-            <a:gs pos="100000">
-              <a:schemeClr val="tx2"/>
-            </a:gs>
-            <a:gs pos="81000">
-              <a:schemeClr val="accent6"/>
-            </a:gs>
-            <a:gs pos="31000">
-              <a:srgbClr val="02090E"/>
-            </a:gs>
-            <a:gs pos="14000">
-              <a:schemeClr val="accent4">
-                <a:lumMod val="75000"/>
-              </a:schemeClr>
-            </a:gs>
-            <a:gs pos="0">
-              <a:schemeClr val="accent4"/>
-            </a:gs>
-          </a:gsLst>
-          <a:lin ang="7800000" scaled="0"/>
-        </a:gradFill>
+        <a:solidFill>
+          <a:schemeClr val="bg1">
+            <a:lumMod val="95000"/>
+          </a:schemeClr>
+        </a:solidFill>
         <a:effectLst/>
       </p:bgPr>
     </p:bg>
@@ -881,321 +1726,70 @@
           <a:chExt cx="0" cy="0"/>
         </a:xfrm>
       </p:grpSpPr>
-      <p:grpSp>
-        <p:nvGrpSpPr>
-          <p:cNvPr id="3" name="Group 2">
+      <p:sp>
+        <p:nvSpPr>
+          <p:cNvPr id="17" name="Rectangle 16">
             <a:extLst>
               <a:ext uri="{FF2B5EF4-FFF2-40B4-BE49-F238E27FC236}">
-                <a16:creationId xmlns:a16="http://schemas.microsoft.com/office/drawing/2014/main" id="{9A084D09-1B2D-4EE2-82A7-83196133B801}"/>
+                <a16:creationId xmlns:a16="http://schemas.microsoft.com/office/drawing/2014/main" id="{66617646-6AF6-94B0-E660-98BCAC61F95F}"/>
               </a:ext>
               <a:ext uri="{C183D7F6-B498-43B3-948B-1728B52AA6E4}">
                 <adec:decorative xmlns:adec="http://schemas.microsoft.com/office/drawing/2017/decorative" val="1"/>
               </a:ext>
             </a:extLst>
           </p:cNvPr>
-          <p:cNvGrpSpPr/>
+          <p:cNvSpPr/>
           <p:nvPr userDrawn="1"/>
-        </p:nvGrpSpPr>
-        <p:grpSpPr>
+        </p:nvSpPr>
+        <p:spPr>
           <a:xfrm>
-            <a:off x="0" y="-6350"/>
-            <a:ext cx="12185769" cy="6864350"/>
-            <a:chOff x="0" y="-6350"/>
-            <a:chExt cx="12185769" cy="6864350"/>
+            <a:off x="1" y="0"/>
+            <a:ext cx="4405568" cy="6858000"/>
           </a:xfrm>
-        </p:grpSpPr>
-        <p:sp>
-          <p:nvSpPr>
-            <p:cNvPr id="4" name="Rectangle 3">
-              <a:extLst>
-                <a:ext uri="{FF2B5EF4-FFF2-40B4-BE49-F238E27FC236}">
-                  <a16:creationId xmlns:a16="http://schemas.microsoft.com/office/drawing/2014/main" id="{53860AA6-1B14-DF89-B725-CC444E502028}"/>
-                </a:ext>
-                <a:ext uri="{C183D7F6-B498-43B3-948B-1728B52AA6E4}">
-                  <adec:decorative xmlns:adec="http://schemas.microsoft.com/office/drawing/2017/decorative" val="1"/>
-                </a:ext>
-              </a:extLst>
-            </p:cNvPr>
-            <p:cNvSpPr/>
-            <p:nvPr/>
-          </p:nvSpPr>
-          <p:spPr>
-            <a:xfrm>
-              <a:off x="0" y="-6350"/>
-              <a:ext cx="6160393" cy="6864350"/>
-            </a:xfrm>
-            <a:prstGeom prst="rect">
-              <a:avLst/>
-            </a:prstGeom>
-            <a:solidFill>
-              <a:schemeClr val="tx1">
-                <a:alpha val="70000"/>
-              </a:schemeClr>
-            </a:solidFill>
-            <a:ln>
-              <a:noFill/>
-            </a:ln>
-          </p:spPr>
-          <p:style>
-            <a:lnRef idx="2">
-              <a:schemeClr val="accent1">
-                <a:shade val="50000"/>
-              </a:schemeClr>
-            </a:lnRef>
-            <a:fillRef idx="1">
-              <a:schemeClr val="accent1"/>
-            </a:fillRef>
-            <a:effectRef idx="0">
-              <a:schemeClr val="accent1"/>
-            </a:effectRef>
-            <a:fontRef idx="minor">
-              <a:schemeClr val="lt1"/>
-            </a:fontRef>
-          </p:style>
-          <p:txBody>
-            <a:bodyPr rtlCol="0" anchor="ctr">
-              <a:noAutofit/>
-            </a:bodyPr>
-            <a:lstStyle/>
-            <a:p>
-              <a:pPr algn="ctr"/>
-              <a:endParaRPr lang="en-US" dirty="0"/>
-            </a:p>
-          </p:txBody>
-        </p:sp>
-        <p:pic>
-          <p:nvPicPr>
-            <p:cNvPr id="6" name="Content Placeholder 14">
-              <a:extLst>
-                <a:ext uri="{FF2B5EF4-FFF2-40B4-BE49-F238E27FC236}">
-                  <a16:creationId xmlns:a16="http://schemas.microsoft.com/office/drawing/2014/main" id="{D172E570-D67F-4980-88C2-CF6560C1C193}"/>
-                </a:ext>
-                <a:ext uri="{C183D7F6-B498-43B3-948B-1728B52AA6E4}">
-                  <adec:decorative xmlns:adec="http://schemas.microsoft.com/office/drawing/2017/decorative" val="1"/>
-                </a:ext>
-              </a:extLst>
-            </p:cNvPr>
-            <p:cNvPicPr>
-              <a:picLocks noChangeAspect="1"/>
-            </p:cNvPicPr>
-            <p:nvPr/>
-          </p:nvPicPr>
-          <p:blipFill rotWithShape="1">
-            <a:blip r:embed="rId2" cstate="screen">
-              <a:alphaModFix/>
-              <a:extLst>
-                <a:ext uri="{28A0092B-C50C-407E-A947-70E740481C1C}">
-                  <a14:useLocalDpi xmlns:a14="http://schemas.microsoft.com/office/drawing/2010/main"/>
-                </a:ext>
-              </a:extLst>
-            </a:blip>
-            <a:srcRect/>
-            <a:stretch/>
-          </p:blipFill>
-          <p:spPr>
-            <a:xfrm rot="5400000">
-              <a:off x="5750267" y="410125"/>
-              <a:ext cx="6845628" cy="6025377"/>
-            </a:xfrm>
-            <a:prstGeom prst="rect">
-              <a:avLst/>
-            </a:prstGeom>
-          </p:spPr>
-        </p:pic>
-        <p:grpSp>
-          <p:nvGrpSpPr>
-            <p:cNvPr id="7" name="Group 6">
-              <a:extLst>
-                <a:ext uri="{FF2B5EF4-FFF2-40B4-BE49-F238E27FC236}">
-                  <a16:creationId xmlns:a16="http://schemas.microsoft.com/office/drawing/2014/main" id="{AF90BF68-CF26-6705-CBFD-428BEB787EDB}"/>
-                </a:ext>
-              </a:extLst>
-            </p:cNvPr>
-            <p:cNvGrpSpPr/>
-            <p:nvPr/>
-          </p:nvGrpSpPr>
-          <p:grpSpPr>
-            <a:xfrm rot="10800000">
-              <a:off x="5304704" y="259572"/>
-              <a:ext cx="584267" cy="390181"/>
-              <a:chOff x="1876516" y="596691"/>
-              <a:chExt cx="584267" cy="390181"/>
-            </a:xfrm>
-          </p:grpSpPr>
-          <p:sp>
-            <p:nvSpPr>
-              <p:cNvPr id="8" name="Oval 7">
-                <a:extLst>
-                  <a:ext uri="{FF2B5EF4-FFF2-40B4-BE49-F238E27FC236}">
-                    <a16:creationId xmlns:a16="http://schemas.microsoft.com/office/drawing/2014/main" id="{1066F635-8DB9-B091-8467-D8F0327217F4}"/>
-                  </a:ext>
-                  <a:ext uri="{C183D7F6-B498-43B3-948B-1728B52AA6E4}">
-                    <adec:decorative xmlns:adec="http://schemas.microsoft.com/office/drawing/2017/decorative" val="1"/>
-                  </a:ext>
-                </a:extLst>
-              </p:cNvPr>
-              <p:cNvSpPr/>
-              <p:nvPr/>
-            </p:nvSpPr>
-            <p:spPr>
-              <a:xfrm>
-                <a:off x="1876516" y="842493"/>
-                <a:ext cx="144379" cy="144379"/>
-              </a:xfrm>
-              <a:prstGeom prst="ellipse">
-                <a:avLst/>
-              </a:prstGeom>
-              <a:noFill/>
-              <a:ln>
-                <a:solidFill>
-                  <a:schemeClr val="accent4">
-                    <a:lumMod val="60000"/>
-                    <a:lumOff val="40000"/>
-                    <a:alpha val="49000"/>
-                  </a:schemeClr>
-                </a:solidFill>
-              </a:ln>
-            </p:spPr>
-            <p:style>
-              <a:lnRef idx="2">
-                <a:schemeClr val="accent1">
-                  <a:shade val="50000"/>
-                </a:schemeClr>
-              </a:lnRef>
-              <a:fillRef idx="1">
-                <a:schemeClr val="accent1"/>
-              </a:fillRef>
-              <a:effectRef idx="0">
-                <a:schemeClr val="accent1"/>
-              </a:effectRef>
-              <a:fontRef idx="minor">
-                <a:schemeClr val="lt1"/>
-              </a:fontRef>
-            </p:style>
-            <p:txBody>
-              <a:bodyPr rtlCol="0" anchor="ctr">
-                <a:noAutofit/>
-              </a:bodyPr>
-              <a:lstStyle/>
-              <a:p>
-                <a:pPr algn="ctr"/>
-                <a:endParaRPr lang="en-US" dirty="0"/>
-              </a:p>
-            </p:txBody>
-          </p:sp>
-          <p:sp>
-            <p:nvSpPr>
-              <p:cNvPr id="9" name="Graphic 12">
-                <a:extLst>
-                  <a:ext uri="{FF2B5EF4-FFF2-40B4-BE49-F238E27FC236}">
-                    <a16:creationId xmlns:a16="http://schemas.microsoft.com/office/drawing/2014/main" id="{882D2FD3-A05B-400C-6347-115486FFD943}"/>
-                  </a:ext>
-                  <a:ext uri="{C183D7F6-B498-43B3-948B-1728B52AA6E4}">
-                    <adec:decorative xmlns:adec="http://schemas.microsoft.com/office/drawing/2017/decorative" val="1"/>
-                  </a:ext>
-                </a:extLst>
-              </p:cNvPr>
-              <p:cNvSpPr/>
-              <p:nvPr/>
-            </p:nvSpPr>
-            <p:spPr>
-              <a:xfrm>
-                <a:off x="2360199" y="596691"/>
-                <a:ext cx="100584" cy="100584"/>
-              </a:xfrm>
-              <a:custGeom>
-                <a:avLst/>
-                <a:gdLst>
-                  <a:gd name="connsiteX0" fmla="*/ 91138 w 91138"/>
-                  <a:gd name="connsiteY0" fmla="*/ 45569 h 91138"/>
-                  <a:gd name="connsiteX1" fmla="*/ 45569 w 91138"/>
-                  <a:gd name="connsiteY1" fmla="*/ 91138 h 91138"/>
-                  <a:gd name="connsiteX2" fmla="*/ 0 w 91138"/>
-                  <a:gd name="connsiteY2" fmla="*/ 45569 h 91138"/>
-                  <a:gd name="connsiteX3" fmla="*/ 45569 w 91138"/>
-                  <a:gd name="connsiteY3" fmla="*/ 0 h 91138"/>
-                  <a:gd name="connsiteX4" fmla="*/ 91138 w 91138"/>
-                  <a:gd name="connsiteY4" fmla="*/ 45569 h 91138"/>
-                </a:gdLst>
-                <a:ahLst/>
-                <a:cxnLst>
-                  <a:cxn ang="0">
-                    <a:pos x="connsiteX0" y="connsiteY0"/>
-                  </a:cxn>
-                  <a:cxn ang="0">
-                    <a:pos x="connsiteX1" y="connsiteY1"/>
-                  </a:cxn>
-                  <a:cxn ang="0">
-                    <a:pos x="connsiteX2" y="connsiteY2"/>
-                  </a:cxn>
-                  <a:cxn ang="0">
-                    <a:pos x="connsiteX3" y="connsiteY3"/>
-                  </a:cxn>
-                  <a:cxn ang="0">
-                    <a:pos x="connsiteX4" y="connsiteY4"/>
-                  </a:cxn>
-                </a:cxnLst>
-                <a:rect l="l" t="t" r="r" b="b"/>
-                <a:pathLst>
-                  <a:path w="91138" h="91138">
-                    <a:moveTo>
-                      <a:pt x="91138" y="45569"/>
-                    </a:moveTo>
-                    <a:cubicBezTo>
-                      <a:pt x="91138" y="70736"/>
-                      <a:pt x="70736" y="91138"/>
-                      <a:pt x="45569" y="91138"/>
-                    </a:cubicBezTo>
-                    <a:cubicBezTo>
-                      <a:pt x="20402" y="91138"/>
-                      <a:pt x="0" y="70736"/>
-                      <a:pt x="0" y="45569"/>
-                    </a:cubicBezTo>
-                    <a:cubicBezTo>
-                      <a:pt x="0" y="20402"/>
-                      <a:pt x="20402" y="0"/>
-                      <a:pt x="45569" y="0"/>
-                    </a:cubicBezTo>
-                    <a:cubicBezTo>
-                      <a:pt x="70736" y="0"/>
-                      <a:pt x="91138" y="20402"/>
-                      <a:pt x="91138" y="45569"/>
-                    </a:cubicBezTo>
-                    <a:close/>
-                  </a:path>
-                </a:pathLst>
-              </a:custGeom>
-              <a:solidFill>
-                <a:schemeClr val="accent4">
-                  <a:lumMod val="60000"/>
-                  <a:lumOff val="40000"/>
-                  <a:alpha val="49071"/>
-                </a:schemeClr>
-              </a:solidFill>
-              <a:ln w="422" cap="flat">
-                <a:noFill/>
-                <a:prstDash val="solid"/>
-                <a:miter/>
-              </a:ln>
-            </p:spPr>
-            <p:txBody>
-              <a:bodyPr rtlCol="0" anchor="ctr">
-                <a:noAutofit/>
-              </a:bodyPr>
-              <a:lstStyle/>
-              <a:p>
-                <a:endParaRPr lang="en-US" dirty="0"/>
-              </a:p>
-            </p:txBody>
-          </p:sp>
-        </p:grpSp>
-      </p:grpSp>
+          <a:prstGeom prst="rect">
+            <a:avLst/>
+          </a:prstGeom>
+          <a:solidFill>
+            <a:schemeClr val="accent4">
+              <a:lumMod val="40000"/>
+              <a:lumOff val="60000"/>
+            </a:schemeClr>
+          </a:solidFill>
+          <a:ln>
+            <a:noFill/>
+          </a:ln>
+        </p:spPr>
+        <p:style>
+          <a:lnRef idx="2">
+            <a:schemeClr val="accent1">
+              <a:shade val="15000"/>
+            </a:schemeClr>
+          </a:lnRef>
+          <a:fillRef idx="1">
+            <a:schemeClr val="accent1"/>
+          </a:fillRef>
+          <a:effectRef idx="0">
+            <a:schemeClr val="accent1"/>
+          </a:effectRef>
+          <a:fontRef idx="minor">
+            <a:schemeClr val="lt1"/>
+          </a:fontRef>
+        </p:style>
+        <p:txBody>
+          <a:bodyPr rtlCol="0" anchor="ctr"/>
+          <a:lstStyle/>
+          <a:p>
+            <a:pPr algn="ctr"/>
+            <a:endParaRPr lang="en-US" dirty="0"/>
+          </a:p>
+        </p:txBody>
+      </p:sp>
       <p:sp>
         <p:nvSpPr>
           <p:cNvPr id="2" name="Title 1">
             <a:extLst>
               <a:ext uri="{FF2B5EF4-FFF2-40B4-BE49-F238E27FC236}">
-                <a16:creationId xmlns:a16="http://schemas.microsoft.com/office/drawing/2014/main" id="{960459F4-C5B9-4070-46D1-2E7DA3EFBFC9}"/>
+                <a16:creationId xmlns:a16="http://schemas.microsoft.com/office/drawing/2014/main" id="{D17EEDCF-A8F9-709D-CE34-6E183D26C2C2}"/>
               </a:ext>
             </a:extLst>
           </p:cNvPr>
@@ -1203,42 +1797,149 @@
             <a:spLocks noGrp="1"/>
           </p:cNvSpPr>
           <p:nvPr>
-            <p:ph type="title"/>
+            <p:ph type="title" hasCustomPrompt="1"/>
+          </p:nvPr>
+        </p:nvSpPr>
+        <p:spPr>
+          <a:xfrm rot="16200000">
+            <a:off x="-1749423" y="2290758"/>
+            <a:ext cx="6276974" cy="2276477"/>
+          </a:xfrm>
+          <a:effectLst/>
+        </p:spPr>
+        <p:txBody>
+          <a:bodyPr tIns="0" bIns="0" anchor="ctr">
+            <a:noAutofit/>
+          </a:bodyPr>
+          <a:lstStyle>
+            <a:lvl1pPr algn="ctr">
+              <a:defRPr sz="4000" b="0" cap="all" spc="0" baseline="0">
+                <a:solidFill>
+                  <a:schemeClr val="tx2"/>
+                </a:solidFill>
+              </a:defRPr>
+            </a:lvl1pPr>
+          </a:lstStyle>
+          <a:p>
+            <a:r>
+              <a:rPr lang="en-US" dirty="0"/>
+              <a:t>Click to Add title</a:t>
+            </a:r>
+          </a:p>
+        </p:txBody>
+      </p:sp>
+      <p:sp>
+        <p:nvSpPr>
+          <p:cNvPr id="5" name="Slide Number Placeholder 4">
+            <a:extLst>
+              <a:ext uri="{FF2B5EF4-FFF2-40B4-BE49-F238E27FC236}">
+                <a16:creationId xmlns:a16="http://schemas.microsoft.com/office/drawing/2014/main" id="{540552D2-6E8F-FBA4-5AAD-121E6FDF38F3}"/>
+              </a:ext>
+            </a:extLst>
+          </p:cNvPr>
+          <p:cNvSpPr>
+            <a:spLocks noGrp="1"/>
+          </p:cNvSpPr>
+          <p:nvPr>
+            <p:ph type="sldNum" sz="quarter" idx="12"/>
           </p:nvPr>
         </p:nvSpPr>
         <p:spPr>
           <a:xfrm>
-            <a:off x="838201" y="365125"/>
-            <a:ext cx="4466502" cy="1936866"/>
+            <a:off x="2194590" y="3062287"/>
+            <a:ext cx="665421" cy="766763"/>
           </a:xfrm>
+          <a:prstGeom prst="rect">
+            <a:avLst/>
+          </a:prstGeom>
+          <a:noFill/>
+          <a:effectLst/>
         </p:spPr>
         <p:txBody>
-          <a:bodyPr anchor="b"/>
+          <a:bodyPr lIns="0" rIns="0"/>
           <a:lstStyle>
-            <a:lvl1pPr>
-              <a:defRPr sz="3200" cap="all" baseline="0">
+            <a:lvl1pPr algn="ctr">
+              <a:defRPr lang="en-US" sz="1800" b="1" kern="1200" cap="all" spc="150" baseline="0" smtClean="0">
                 <a:solidFill>
-                  <a:schemeClr val="accent3">
-                    <a:lumMod val="75000"/>
-                  </a:schemeClr>
+                  <a:schemeClr val="tx2"/>
                 </a:solidFill>
+                <a:latin typeface="+mn-lt"/>
+                <a:ea typeface="+mn-ea"/>
+                <a:cs typeface="+mn-cs"/>
               </a:defRPr>
             </a:lvl1pPr>
           </a:lstStyle>
           <a:p>
-            <a:r>
-              <a:rPr lang="en-US" dirty="0"/>
-              <a:t>Click to edit Master title style</a:t>
-            </a:r>
+            <a:fld id="{8A7A6979-0714-4377-B894-6BE4C2D6E202}" type="slidenum">
+              <a:rPr lang="en-US" smtClean="0"/>
+              <a:pPr/>
+              <a:t>‹#›</a:t>
+            </a:fld>
+            <a:endParaRPr lang="en-US" dirty="0"/>
+          </a:p>
+        </p:txBody>
+      </p:sp>
+      <p:sp>
+        <p:nvSpPr>
+          <p:cNvPr id="20" name="Rectangle 19">
+            <a:extLst>
+              <a:ext uri="{FF2B5EF4-FFF2-40B4-BE49-F238E27FC236}">
+                <a16:creationId xmlns:a16="http://schemas.microsoft.com/office/drawing/2014/main" id="{9C667425-5376-9A12-6412-4B63AC528F92}"/>
+              </a:ext>
+              <a:ext uri="{C183D7F6-B498-43B3-948B-1728B52AA6E4}">
+                <adec:decorative xmlns:adec="http://schemas.microsoft.com/office/drawing/2017/decorative" val="1"/>
+              </a:ext>
+            </a:extLst>
+          </p:cNvPr>
+          <p:cNvSpPr/>
+          <p:nvPr userDrawn="1"/>
+        </p:nvSpPr>
+        <p:spPr>
+          <a:xfrm>
+            <a:off x="250825" y="254794"/>
+            <a:ext cx="11690350" cy="6348413"/>
+          </a:xfrm>
+          <a:prstGeom prst="rect">
+            <a:avLst/>
+          </a:prstGeom>
+          <a:noFill/>
+          <a:ln w="44450">
+            <a:solidFill>
+              <a:schemeClr val="tx2"/>
+            </a:solidFill>
+          </a:ln>
+        </p:spPr>
+        <p:style>
+          <a:lnRef idx="2">
+            <a:schemeClr val="accent1">
+              <a:shade val="15000"/>
+            </a:schemeClr>
+          </a:lnRef>
+          <a:fillRef idx="1">
+            <a:schemeClr val="accent1"/>
+          </a:fillRef>
+          <a:effectRef idx="0">
+            <a:schemeClr val="accent1"/>
+          </a:effectRef>
+          <a:fontRef idx="minor">
+            <a:schemeClr val="lt1"/>
+          </a:fontRef>
+        </p:style>
+        <p:txBody>
+          <a:bodyPr rtlCol="0" anchor="ctr"/>
+          <a:lstStyle/>
+          <a:p>
+            <a:pPr algn="ctr"/>
+            <a:endParaRPr lang="en-US" dirty="0"/>
           </a:p>
         </p:txBody>
       </p:sp>
       <p:cxnSp>
         <p:nvCxnSpPr>
-          <p:cNvPr id="5" name="Straight Connector 4">
+          <p:cNvPr id="21" name="Straight Connector 20">
             <a:extLst>
               <a:ext uri="{FF2B5EF4-FFF2-40B4-BE49-F238E27FC236}">
-                <a16:creationId xmlns:a16="http://schemas.microsoft.com/office/drawing/2014/main" id="{34F613B1-323C-4C25-4526-1D3313A7161D}"/>
+                <a16:creationId xmlns:a16="http://schemas.microsoft.com/office/drawing/2014/main" id="{A1CB2DD8-1852-5728-5E46-28CF0864B9BE}"/>
               </a:ext>
               <a:ext uri="{C183D7F6-B498-43B3-948B-1728B52AA6E4}">
                 <adec:decorative xmlns:adec="http://schemas.microsoft.com/office/drawing/2017/decorative" val="1"/>
@@ -1252,26 +1953,62 @@
         </p:nvCxnSpPr>
         <p:spPr>
           <a:xfrm>
-            <a:off x="835831" y="2620500"/>
-            <a:ext cx="4471665" cy="0"/>
+            <a:off x="2527301" y="254794"/>
+            <a:ext cx="0" cy="2799556"/>
           </a:xfrm>
           <a:prstGeom prst="line">
             <a:avLst/>
           </a:prstGeom>
-          <a:ln w="25400">
-            <a:gradFill>
-              <a:gsLst>
-                <a:gs pos="0">
-                  <a:schemeClr val="accent4">
-                    <a:lumMod val="50000"/>
-                  </a:schemeClr>
-                </a:gs>
-                <a:gs pos="100000">
-                  <a:schemeClr val="accent6"/>
-                </a:gs>
-              </a:gsLst>
-              <a:lin ang="10800000" scaled="0"/>
-            </a:gradFill>
+          <a:ln w="44450">
+            <a:solidFill>
+              <a:schemeClr val="tx2"/>
+            </a:solidFill>
+          </a:ln>
+        </p:spPr>
+        <p:style>
+          <a:lnRef idx="1">
+            <a:schemeClr val="accent1"/>
+          </a:lnRef>
+          <a:fillRef idx="0">
+            <a:schemeClr val="accent1"/>
+          </a:fillRef>
+          <a:effectRef idx="0">
+            <a:schemeClr val="accent1"/>
+          </a:effectRef>
+          <a:fontRef idx="minor">
+            <a:schemeClr val="tx1"/>
+          </a:fontRef>
+        </p:style>
+      </p:cxnSp>
+      <p:cxnSp>
+        <p:nvCxnSpPr>
+          <p:cNvPr id="29" name="Straight Connector 28">
+            <a:extLst>
+              <a:ext uri="{FF2B5EF4-FFF2-40B4-BE49-F238E27FC236}">
+                <a16:creationId xmlns:a16="http://schemas.microsoft.com/office/drawing/2014/main" id="{1741730C-9E61-193C-BBD3-080BB83366EF}"/>
+              </a:ext>
+              <a:ext uri="{C183D7F6-B498-43B3-948B-1728B52AA6E4}">
+                <adec:decorative xmlns:adec="http://schemas.microsoft.com/office/drawing/2017/decorative" val="1"/>
+              </a:ext>
+            </a:extLst>
+          </p:cNvPr>
+          <p:cNvCxnSpPr>
+            <a:cxnSpLocks/>
+          </p:cNvCxnSpPr>
+          <p:nvPr userDrawn="1"/>
+        </p:nvCxnSpPr>
+        <p:spPr>
+          <a:xfrm>
+            <a:off x="2527301" y="3822700"/>
+            <a:ext cx="0" cy="2799556"/>
+          </a:xfrm>
+          <a:prstGeom prst="line">
+            <a:avLst/>
+          </a:prstGeom>
+          <a:ln w="44450">
+            <a:solidFill>
+              <a:schemeClr val="tx2"/>
+            </a:solidFill>
           </a:ln>
         </p:spPr>
         <p:style>
@@ -1291,10 +2028,10 @@
       </p:cxnSp>
       <p:sp>
         <p:nvSpPr>
-          <p:cNvPr id="13" name="Content Placeholder 12">
+          <p:cNvPr id="4" name="Picture Placeholder 3">
             <a:extLst>
               <a:ext uri="{FF2B5EF4-FFF2-40B4-BE49-F238E27FC236}">
-                <a16:creationId xmlns:a16="http://schemas.microsoft.com/office/drawing/2014/main" id="{2D2C2143-1936-BBDA-A6A8-40B6DBD16AED}"/>
+                <a16:creationId xmlns:a16="http://schemas.microsoft.com/office/drawing/2014/main" id="{752ADEED-2FA0-F9E8-FB9C-F38597824018}"/>
               </a:ext>
             </a:extLst>
           </p:cNvPr>
@@ -1302,515 +2039,27 @@
             <a:spLocks noGrp="1"/>
           </p:cNvSpPr>
           <p:nvPr>
-            <p:ph sz="quarter" idx="10" hasCustomPrompt="1"/>
+            <p:ph type="pic" sz="quarter" idx="13"/>
           </p:nvPr>
         </p:nvSpPr>
         <p:spPr>
           <a:xfrm>
-            <a:off x="838201" y="3097848"/>
-            <a:ext cx="4466504" cy="3405187"/>
+            <a:off x="2972493" y="1041946"/>
+            <a:ext cx="8708646" cy="4774099"/>
           </a:xfrm>
         </p:spPr>
         <p:txBody>
           <a:bodyPr/>
-          <a:lstStyle>
-            <a:lvl1pPr>
-              <a:lnSpc>
-                <a:spcPct val="120000"/>
-              </a:lnSpc>
-              <a:spcBef>
-                <a:spcPts val="1000"/>
-              </a:spcBef>
-              <a:spcAft>
-                <a:spcPts val="600"/>
-              </a:spcAft>
-              <a:defRPr sz="1800">
-                <a:solidFill>
-                  <a:schemeClr val="bg1"/>
-                </a:solidFill>
-                <a:latin typeface="+mn-lt"/>
-              </a:defRPr>
-            </a:lvl1pPr>
-            <a:lvl2pPr>
-              <a:lnSpc>
-                <a:spcPct val="120000"/>
-              </a:lnSpc>
-              <a:spcBef>
-                <a:spcPts val="1000"/>
-              </a:spcBef>
-              <a:spcAft>
-                <a:spcPts val="600"/>
-              </a:spcAft>
-              <a:defRPr sz="1600">
-                <a:solidFill>
-                  <a:schemeClr val="bg1"/>
-                </a:solidFill>
-                <a:latin typeface="+mn-lt"/>
-              </a:defRPr>
-            </a:lvl2pPr>
-            <a:lvl3pPr>
-              <a:lnSpc>
-                <a:spcPct val="120000"/>
-              </a:lnSpc>
-              <a:spcBef>
-                <a:spcPts val="1000"/>
-              </a:spcBef>
-              <a:spcAft>
-                <a:spcPts val="600"/>
-              </a:spcAft>
-              <a:defRPr sz="1400">
-                <a:solidFill>
-                  <a:schemeClr val="bg1"/>
-                </a:solidFill>
-                <a:latin typeface="+mn-lt"/>
-              </a:defRPr>
-            </a:lvl3pPr>
-            <a:lvl4pPr>
-              <a:lnSpc>
-                <a:spcPct val="120000"/>
-              </a:lnSpc>
-              <a:spcBef>
-                <a:spcPts val="1000"/>
-              </a:spcBef>
-              <a:spcAft>
-                <a:spcPts val="600"/>
-              </a:spcAft>
-              <a:defRPr sz="1200">
-                <a:solidFill>
-                  <a:schemeClr val="bg1"/>
-                </a:solidFill>
-                <a:latin typeface="+mn-lt"/>
-              </a:defRPr>
-            </a:lvl4pPr>
-            <a:lvl5pPr>
-              <a:lnSpc>
-                <a:spcPct val="120000"/>
-              </a:lnSpc>
-              <a:spcBef>
-                <a:spcPts val="1000"/>
-              </a:spcBef>
-              <a:spcAft>
-                <a:spcPts val="600"/>
-              </a:spcAft>
-              <a:defRPr sz="1200">
-                <a:solidFill>
-                  <a:schemeClr val="bg1"/>
-                </a:solidFill>
-                <a:latin typeface="+mn-lt"/>
-              </a:defRPr>
-            </a:lvl5pPr>
-          </a:lstStyle>
-          <a:p>
-            <a:pPr lvl="0"/>
-            <a:r>
-              <a:rPr lang="en-US" dirty="0"/>
-              <a:t>Click to add content</a:t>
-            </a:r>
-          </a:p>
-          <a:p>
-            <a:pPr lvl="1"/>
-            <a:r>
-              <a:rPr lang="en-US" dirty="0"/>
-              <a:t>Second level</a:t>
-            </a:r>
-          </a:p>
-          <a:p>
-            <a:pPr lvl="2"/>
-            <a:r>
-              <a:rPr lang="en-US" dirty="0"/>
-              <a:t>Third level</a:t>
-            </a:r>
-          </a:p>
-          <a:p>
-            <a:pPr lvl="3"/>
-            <a:r>
-              <a:rPr lang="en-US" dirty="0"/>
-              <a:t>Fourth level</a:t>
-            </a:r>
-          </a:p>
-          <a:p>
-            <a:pPr lvl="4"/>
-            <a:r>
-              <a:rPr lang="en-US" dirty="0"/>
-              <a:t>Fifth level</a:t>
-            </a:r>
+          <a:lstStyle/>
+          <a:p>
+            <a:endParaRPr lang="zh-CN" altLang="en-US"/>
           </a:p>
         </p:txBody>
       </p:sp>
     </p:spTree>
     <p:extLst>
       <p:ext uri="{BB962C8B-B14F-4D97-AF65-F5344CB8AC3E}">
-        <p14:creationId xmlns:p14="http://schemas.microsoft.com/office/powerpoint/2010/main" val="2109040715"/>
-      </p:ext>
-    </p:extLst>
-  </p:cSld>
-  <p:clrMapOvr>
-    <a:masterClrMapping/>
-  </p:clrMapOvr>
-  <p:extLst>
-    <p:ext uri="{DCECCB84-F9BA-43D5-87BE-67443E8EF086}">
-      <p15:sldGuideLst xmlns:p15="http://schemas.microsoft.com/office/powerpoint/2012/main">
-        <p15:guide id="1" orient="horz" pos="2160" userDrawn="1">
-          <p15:clr>
-            <a:srgbClr val="FBAE40"/>
-          </p15:clr>
-        </p15:guide>
-        <p15:guide id="2" pos="3840" userDrawn="1">
-          <p15:clr>
-            <a:srgbClr val="FBAE40"/>
-          </p15:clr>
-        </p15:guide>
-      </p15:sldGuideLst>
-    </p:ext>
-  </p:extLst>
-</p:sldLayout>
-</file>
-
-<file path=ppt/slideLayouts/slideLayout3.xml><?xml version="1.0" encoding="utf-8"?>
-<p:sldLayout xmlns:a="http://schemas.openxmlformats.org/drawingml/2006/main" xmlns:r="http://schemas.openxmlformats.org/officeDocument/2006/relationships" xmlns:p="http://schemas.openxmlformats.org/presentationml/2006/main" preserve="1" userDrawn="1">
-  <p:cSld name="Title and Picture 1">
-    <p:spTree>
-      <p:nvGrpSpPr>
-        <p:cNvPr id="1" name=""/>
-        <p:cNvGrpSpPr/>
-        <p:nvPr/>
-      </p:nvGrpSpPr>
-      <p:grpSpPr>
-        <a:xfrm>
-          <a:off x="0" y="0"/>
-          <a:ext cx="0" cy="0"/>
-          <a:chOff x="0" y="0"/>
-          <a:chExt cx="0" cy="0"/>
-        </a:xfrm>
-      </p:grpSpPr>
-      <p:grpSp>
-        <p:nvGrpSpPr>
-          <p:cNvPr id="6" name="Group 5">
-            <a:extLst>
-              <a:ext uri="{FF2B5EF4-FFF2-40B4-BE49-F238E27FC236}">
-                <a16:creationId xmlns:a16="http://schemas.microsoft.com/office/drawing/2014/main" id="{806F03C4-FDB1-00F5-8F67-619C72893547}"/>
-              </a:ext>
-              <a:ext uri="{C183D7F6-B498-43B3-948B-1728B52AA6E4}">
-                <adec:decorative xmlns:adec="http://schemas.microsoft.com/office/drawing/2017/decorative" val="1"/>
-              </a:ext>
-            </a:extLst>
-          </p:cNvPr>
-          <p:cNvGrpSpPr/>
-          <p:nvPr userDrawn="1"/>
-        </p:nvGrpSpPr>
-        <p:grpSpPr>
-          <a:xfrm>
-            <a:off x="4575462" y="4136"/>
-            <a:ext cx="7619947" cy="6858000"/>
-            <a:chOff x="4575462" y="4136"/>
-            <a:chExt cx="7619947" cy="6858000"/>
-          </a:xfrm>
-        </p:grpSpPr>
-        <p:grpSp>
-          <p:nvGrpSpPr>
-            <p:cNvPr id="7" name="Group 6">
-              <a:extLst>
-                <a:ext uri="{FF2B5EF4-FFF2-40B4-BE49-F238E27FC236}">
-                  <a16:creationId xmlns:a16="http://schemas.microsoft.com/office/drawing/2014/main" id="{BDE9364C-6EE9-E747-F3B5-9A5FA214C666}"/>
-                </a:ext>
-              </a:extLst>
-            </p:cNvPr>
-            <p:cNvGrpSpPr/>
-            <p:nvPr/>
-          </p:nvGrpSpPr>
-          <p:grpSpPr>
-            <a:xfrm>
-              <a:off x="4575462" y="691665"/>
-              <a:ext cx="364018" cy="857035"/>
-              <a:chOff x="468157" y="1144246"/>
-              <a:chExt cx="364018" cy="857035"/>
-            </a:xfrm>
-          </p:grpSpPr>
-          <p:sp>
-            <p:nvSpPr>
-              <p:cNvPr id="9" name="Oval 8">
-                <a:extLst>
-                  <a:ext uri="{FF2B5EF4-FFF2-40B4-BE49-F238E27FC236}">
-                    <a16:creationId xmlns:a16="http://schemas.microsoft.com/office/drawing/2014/main" id="{043581CD-691C-ADD3-0896-F2E1A4E8553C}"/>
-                  </a:ext>
-                  <a:ext uri="{C183D7F6-B498-43B3-948B-1728B52AA6E4}">
-                    <adec:decorative xmlns:adec="http://schemas.microsoft.com/office/drawing/2017/decorative" val="1"/>
-                  </a:ext>
-                </a:extLst>
-              </p:cNvPr>
-              <p:cNvSpPr/>
-              <p:nvPr/>
-            </p:nvSpPr>
-            <p:spPr>
-              <a:xfrm>
-                <a:off x="705405" y="1144246"/>
-                <a:ext cx="126770" cy="126770"/>
-              </a:xfrm>
-              <a:prstGeom prst="ellipse">
-                <a:avLst/>
-              </a:prstGeom>
-              <a:noFill/>
-              <a:ln>
-                <a:solidFill>
-                  <a:schemeClr val="accent4">
-                    <a:lumMod val="60000"/>
-                    <a:lumOff val="40000"/>
-                    <a:alpha val="49000"/>
-                  </a:schemeClr>
-                </a:solidFill>
-              </a:ln>
-            </p:spPr>
-            <p:style>
-              <a:lnRef idx="2">
-                <a:schemeClr val="accent1">
-                  <a:shade val="50000"/>
-                </a:schemeClr>
-              </a:lnRef>
-              <a:fillRef idx="1">
-                <a:schemeClr val="accent1"/>
-              </a:fillRef>
-              <a:effectRef idx="0">
-                <a:schemeClr val="accent1"/>
-              </a:effectRef>
-              <a:fontRef idx="minor">
-                <a:schemeClr val="lt1"/>
-              </a:fontRef>
-            </p:style>
-            <p:txBody>
-              <a:bodyPr rtlCol="0" anchor="ctr">
-                <a:noAutofit/>
-              </a:bodyPr>
-              <a:lstStyle/>
-              <a:p>
-                <a:pPr algn="ctr"/>
-                <a:endParaRPr lang="en-US" dirty="0"/>
-              </a:p>
-            </p:txBody>
-          </p:sp>
-          <p:sp>
-            <p:nvSpPr>
-              <p:cNvPr id="10" name="Graphic 12">
-                <a:extLst>
-                  <a:ext uri="{FF2B5EF4-FFF2-40B4-BE49-F238E27FC236}">
-                    <a16:creationId xmlns:a16="http://schemas.microsoft.com/office/drawing/2014/main" id="{60EB671A-33C5-FB75-F27F-0FD17B37F524}"/>
-                  </a:ext>
-                  <a:ext uri="{C183D7F6-B498-43B3-948B-1728B52AA6E4}">
-                    <adec:decorative xmlns:adec="http://schemas.microsoft.com/office/drawing/2017/decorative" val="1"/>
-                  </a:ext>
-                </a:extLst>
-              </p:cNvPr>
-              <p:cNvSpPr/>
-              <p:nvPr/>
-            </p:nvSpPr>
-            <p:spPr>
-              <a:xfrm>
-                <a:off x="468157" y="1963496"/>
-                <a:ext cx="45719" cy="37785"/>
-              </a:xfrm>
-              <a:custGeom>
-                <a:avLst/>
-                <a:gdLst>
-                  <a:gd name="connsiteX0" fmla="*/ 91138 w 91138"/>
-                  <a:gd name="connsiteY0" fmla="*/ 45569 h 91138"/>
-                  <a:gd name="connsiteX1" fmla="*/ 45569 w 91138"/>
-                  <a:gd name="connsiteY1" fmla="*/ 91138 h 91138"/>
-                  <a:gd name="connsiteX2" fmla="*/ 0 w 91138"/>
-                  <a:gd name="connsiteY2" fmla="*/ 45569 h 91138"/>
-                  <a:gd name="connsiteX3" fmla="*/ 45569 w 91138"/>
-                  <a:gd name="connsiteY3" fmla="*/ 0 h 91138"/>
-                  <a:gd name="connsiteX4" fmla="*/ 91138 w 91138"/>
-                  <a:gd name="connsiteY4" fmla="*/ 45569 h 91138"/>
-                </a:gdLst>
-                <a:ahLst/>
-                <a:cxnLst>
-                  <a:cxn ang="0">
-                    <a:pos x="connsiteX0" y="connsiteY0"/>
-                  </a:cxn>
-                  <a:cxn ang="0">
-                    <a:pos x="connsiteX1" y="connsiteY1"/>
-                  </a:cxn>
-                  <a:cxn ang="0">
-                    <a:pos x="connsiteX2" y="connsiteY2"/>
-                  </a:cxn>
-                  <a:cxn ang="0">
-                    <a:pos x="connsiteX3" y="connsiteY3"/>
-                  </a:cxn>
-                  <a:cxn ang="0">
-                    <a:pos x="connsiteX4" y="connsiteY4"/>
-                  </a:cxn>
-                </a:cxnLst>
-                <a:rect l="l" t="t" r="r" b="b"/>
-                <a:pathLst>
-                  <a:path w="91138" h="91138">
-                    <a:moveTo>
-                      <a:pt x="91138" y="45569"/>
-                    </a:moveTo>
-                    <a:cubicBezTo>
-                      <a:pt x="91138" y="70736"/>
-                      <a:pt x="70736" y="91138"/>
-                      <a:pt x="45569" y="91138"/>
-                    </a:cubicBezTo>
-                    <a:cubicBezTo>
-                      <a:pt x="20402" y="91138"/>
-                      <a:pt x="0" y="70736"/>
-                      <a:pt x="0" y="45569"/>
-                    </a:cubicBezTo>
-                    <a:cubicBezTo>
-                      <a:pt x="0" y="20402"/>
-                      <a:pt x="20402" y="0"/>
-                      <a:pt x="45569" y="0"/>
-                    </a:cubicBezTo>
-                    <a:cubicBezTo>
-                      <a:pt x="70736" y="0"/>
-                      <a:pt x="91138" y="20402"/>
-                      <a:pt x="91138" y="45569"/>
-                    </a:cubicBezTo>
-                    <a:close/>
-                  </a:path>
-                </a:pathLst>
-              </a:custGeom>
-              <a:solidFill>
-                <a:schemeClr val="accent4">
-                  <a:lumMod val="60000"/>
-                  <a:lumOff val="40000"/>
-                  <a:alpha val="49071"/>
-                </a:schemeClr>
-              </a:solidFill>
-              <a:ln w="422" cap="flat">
-                <a:noFill/>
-                <a:prstDash val="solid"/>
-                <a:miter/>
-              </a:ln>
-            </p:spPr>
-            <p:txBody>
-              <a:bodyPr rtlCol="0" anchor="ctr">
-                <a:noAutofit/>
-              </a:bodyPr>
-              <a:lstStyle/>
-              <a:p>
-                <a:endParaRPr lang="en-US" dirty="0"/>
-              </a:p>
-            </p:txBody>
-          </p:sp>
-        </p:grpSp>
-        <p:pic>
-          <p:nvPicPr>
-            <p:cNvPr id="8" name="Content Placeholder 14">
-              <a:extLst>
-                <a:ext uri="{FF2B5EF4-FFF2-40B4-BE49-F238E27FC236}">
-                  <a16:creationId xmlns:a16="http://schemas.microsoft.com/office/drawing/2014/main" id="{CC8D74CA-9208-2D40-AB11-204A1C649127}"/>
-                </a:ext>
-                <a:ext uri="{C183D7F6-B498-43B3-948B-1728B52AA6E4}">
-                  <adec:decorative xmlns:adec="http://schemas.microsoft.com/office/drawing/2017/decorative" val="1"/>
-                </a:ext>
-              </a:extLst>
-            </p:cNvPr>
-            <p:cNvPicPr>
-              <a:picLocks noChangeAspect="1"/>
-            </p:cNvPicPr>
-            <p:nvPr userDrawn="1"/>
-          </p:nvPicPr>
-          <p:blipFill rotWithShape="1">
-            <a:blip r:embed="rId2" cstate="screen">
-              <a:extLst>
-                <a:ext uri="{28A0092B-C50C-407E-A947-70E740481C1C}">
-                  <a14:useLocalDpi xmlns:a14="http://schemas.microsoft.com/office/drawing/2010/main"/>
-                </a:ext>
-              </a:extLst>
-            </a:blip>
-            <a:srcRect/>
-            <a:stretch/>
-          </p:blipFill>
-          <p:spPr>
-            <a:xfrm>
-              <a:off x="6542796" y="4136"/>
-              <a:ext cx="5652613" cy="6858000"/>
-            </a:xfrm>
-            <a:prstGeom prst="rect">
-              <a:avLst/>
-            </a:prstGeom>
-          </p:spPr>
-        </p:pic>
-      </p:grpSp>
-      <p:sp>
-        <p:nvSpPr>
-          <p:cNvPr id="11" name="Title 1">
-            <a:extLst>
-              <a:ext uri="{FF2B5EF4-FFF2-40B4-BE49-F238E27FC236}">
-                <a16:creationId xmlns:a16="http://schemas.microsoft.com/office/drawing/2014/main" id="{1A99F113-D7C6-17BF-B586-3529CFF21E35}"/>
-              </a:ext>
-            </a:extLst>
-          </p:cNvPr>
-          <p:cNvSpPr>
-            <a:spLocks noGrp="1"/>
-          </p:cNvSpPr>
-          <p:nvPr>
-            <p:ph type="title" hasCustomPrompt="1"/>
-          </p:nvPr>
-        </p:nvSpPr>
-        <p:spPr>
-          <a:xfrm>
-            <a:off x="741680" y="430482"/>
-            <a:ext cx="10500989" cy="778153"/>
-          </a:xfrm>
-        </p:spPr>
-        <p:txBody>
-          <a:bodyPr anchor="b">
-            <a:noAutofit/>
-          </a:bodyPr>
-          <a:lstStyle>
-            <a:lvl1pPr algn="l">
-              <a:defRPr sz="3200" cap="all" spc="0" baseline="0">
-                <a:solidFill>
-                  <a:schemeClr val="accent3">
-                    <a:lumMod val="75000"/>
-                  </a:schemeClr>
-                </a:solidFill>
-              </a:defRPr>
-            </a:lvl1pPr>
-          </a:lstStyle>
-          <a:p>
-            <a:r>
-              <a:rPr lang="en-US" dirty="0"/>
-              <a:t>Click to add title</a:t>
-            </a:r>
-          </a:p>
-        </p:txBody>
-      </p:sp>
-      <p:sp>
-        <p:nvSpPr>
-          <p:cNvPr id="13" name="Picture Placeholder 12">
-            <a:extLst>
-              <a:ext uri="{FF2B5EF4-FFF2-40B4-BE49-F238E27FC236}">
-                <a16:creationId xmlns:a16="http://schemas.microsoft.com/office/drawing/2014/main" id="{9D4661F0-027E-881F-63A9-13BFE96EB8E7}"/>
-              </a:ext>
-            </a:extLst>
-          </p:cNvPr>
-          <p:cNvSpPr>
-            <a:spLocks noGrp="1"/>
-          </p:cNvSpPr>
-          <p:nvPr>
-            <p:ph type="pic" sz="quarter" idx="10"/>
-          </p:nvPr>
-        </p:nvSpPr>
-        <p:spPr>
-          <a:xfrm>
-            <a:off x="1528174" y="1511300"/>
-            <a:ext cx="8928000" cy="5040000"/>
-          </a:xfrm>
-        </p:spPr>
-        <p:txBody>
-          <a:bodyPr/>
-          <a:lstStyle/>
-          <a:p>
-            <a:endParaRPr lang="en-CN"/>
-          </a:p>
-        </p:txBody>
-      </p:sp>
-    </p:spTree>
-    <p:extLst>
-      <p:ext uri="{BB962C8B-B14F-4D97-AF65-F5344CB8AC3E}">
-        <p14:creationId xmlns:p14="http://schemas.microsoft.com/office/powerpoint/2010/main" val="4125312550"/>
+        <p14:creationId xmlns:p14="http://schemas.microsoft.com/office/powerpoint/2010/main" val="1128816790"/>
       </p:ext>
     </p:extLst>
   </p:cSld>
@@ -1825,28 +2074,11 @@
   <p:cSld name="Title and 2 Column">
     <p:bg>
       <p:bgPr>
-        <a:gradFill>
-          <a:gsLst>
-            <a:gs pos="100000">
-              <a:schemeClr val="tx2"/>
-            </a:gs>
-            <a:gs pos="81000">
-              <a:schemeClr val="accent6"/>
-            </a:gs>
-            <a:gs pos="31000">
-              <a:srgbClr val="02090E"/>
-            </a:gs>
-            <a:gs pos="14000">
-              <a:schemeClr val="accent4">
-                <a:lumMod val="75000"/>
-              </a:schemeClr>
-            </a:gs>
-            <a:gs pos="0">
-              <a:schemeClr val="accent4"/>
-            </a:gs>
-          </a:gsLst>
-          <a:lin ang="7800000" scaled="0"/>
-        </a:gradFill>
+        <a:solidFill>
+          <a:schemeClr val="bg1">
+            <a:lumMod val="95000"/>
+          </a:schemeClr>
+        </a:solidFill>
         <a:effectLst/>
       </p:bgPr>
     </p:bg>
@@ -1866,10 +2098,10 @@
       </p:grpSpPr>
       <p:sp>
         <p:nvSpPr>
-          <p:cNvPr id="3" name="Rectangle 2">
+          <p:cNvPr id="4" name="Rectangle 3">
             <a:extLst>
               <a:ext uri="{FF2B5EF4-FFF2-40B4-BE49-F238E27FC236}">
-                <a16:creationId xmlns:a16="http://schemas.microsoft.com/office/drawing/2014/main" id="{B3A7247A-846A-F316-B494-69B42CBF34DD}"/>
+                <a16:creationId xmlns:a16="http://schemas.microsoft.com/office/drawing/2014/main" id="{F996BC47-DB6B-4A01-6575-4D14CAEB30E1}"/>
               </a:ext>
               <a:ext uri="{C183D7F6-B498-43B3-948B-1728B52AA6E4}">
                 <adec:decorative xmlns:adec="http://schemas.microsoft.com/office/drawing/2017/decorative" val="1"/>
@@ -1881,15 +2113,16 @@
         </p:nvSpPr>
         <p:spPr>
           <a:xfrm>
-            <a:off x="321869" y="343814"/>
-            <a:ext cx="11550701" cy="6210605"/>
+            <a:off x="1" y="0"/>
+            <a:ext cx="4405568" cy="6858000"/>
           </a:xfrm>
           <a:prstGeom prst="rect">
             <a:avLst/>
           </a:prstGeom>
           <a:solidFill>
-            <a:schemeClr val="tx1">
-              <a:alpha val="70000"/>
+            <a:schemeClr val="accent3">
+              <a:lumMod val="20000"/>
+              <a:lumOff val="80000"/>
             </a:schemeClr>
           </a:solidFill>
           <a:ln>
@@ -1899,7 +2132,7 @@
         <p:style>
           <a:lnRef idx="2">
             <a:schemeClr val="accent1">
-              <a:shade val="50000"/>
+              <a:shade val="15000"/>
             </a:schemeClr>
           </a:lnRef>
           <a:fillRef idx="1">
@@ -1913,9 +2146,62 @@
           </a:fontRef>
         </p:style>
         <p:txBody>
-          <a:bodyPr rtlCol="0" anchor="ctr">
-            <a:noAutofit/>
-          </a:bodyPr>
+          <a:bodyPr rtlCol="0" anchor="ctr"/>
+          <a:lstStyle/>
+          <a:p>
+            <a:pPr algn="ctr"/>
+            <a:endParaRPr lang="en-US" dirty="0"/>
+          </a:p>
+        </p:txBody>
+      </p:sp>
+      <p:sp>
+        <p:nvSpPr>
+          <p:cNvPr id="17" name="Rectangle 16">
+            <a:extLst>
+              <a:ext uri="{FF2B5EF4-FFF2-40B4-BE49-F238E27FC236}">
+                <a16:creationId xmlns:a16="http://schemas.microsoft.com/office/drawing/2014/main" id="{B04769DB-2A07-BC51-5527-403CA838F4C5}"/>
+              </a:ext>
+              <a:ext uri="{C183D7F6-B498-43B3-948B-1728B52AA6E4}">
+                <adec:decorative xmlns:adec="http://schemas.microsoft.com/office/drawing/2017/decorative" val="1"/>
+              </a:ext>
+            </a:extLst>
+          </p:cNvPr>
+          <p:cNvSpPr/>
+          <p:nvPr userDrawn="1"/>
+        </p:nvSpPr>
+        <p:spPr>
+          <a:xfrm>
+            <a:off x="250825" y="254794"/>
+            <a:ext cx="11690350" cy="6348413"/>
+          </a:xfrm>
+          <a:prstGeom prst="rect">
+            <a:avLst/>
+          </a:prstGeom>
+          <a:noFill/>
+          <a:ln w="44450">
+            <a:solidFill>
+              <a:schemeClr val="tx2"/>
+            </a:solidFill>
+          </a:ln>
+        </p:spPr>
+        <p:style>
+          <a:lnRef idx="2">
+            <a:schemeClr val="accent1">
+              <a:shade val="15000"/>
+            </a:schemeClr>
+          </a:lnRef>
+          <a:fillRef idx="1">
+            <a:schemeClr val="accent1"/>
+          </a:fillRef>
+          <a:effectRef idx="0">
+            <a:schemeClr val="accent1"/>
+          </a:effectRef>
+          <a:fontRef idx="minor">
+            <a:schemeClr val="lt1"/>
+          </a:fontRef>
+        </p:style>
+        <p:txBody>
+          <a:bodyPr rtlCol="0" anchor="ctr"/>
           <a:lstStyle/>
           <a:p>
             <a:pPr algn="ctr"/>
@@ -1925,10 +2211,10 @@
       </p:sp>
       <p:cxnSp>
         <p:nvCxnSpPr>
-          <p:cNvPr id="4" name="Straight Connector 3">
+          <p:cNvPr id="18" name="Straight Connector 17">
             <a:extLst>
               <a:ext uri="{FF2B5EF4-FFF2-40B4-BE49-F238E27FC236}">
-                <a16:creationId xmlns:a16="http://schemas.microsoft.com/office/drawing/2014/main" id="{884B3AF6-983E-0901-0045-6CDF4E93E1BA}"/>
+                <a16:creationId xmlns:a16="http://schemas.microsoft.com/office/drawing/2014/main" id="{DE8D0011-1BF5-77D1-D2AC-ABFFC21247C9}"/>
               </a:ext>
               <a:ext uri="{C183D7F6-B498-43B3-948B-1728B52AA6E4}">
                 <adec:decorative xmlns:adec="http://schemas.microsoft.com/office/drawing/2017/decorative" val="1"/>
@@ -1942,26 +2228,16 @@
         </p:nvCxnSpPr>
         <p:spPr>
           <a:xfrm>
-            <a:off x="807039" y="1983705"/>
-            <a:ext cx="10435630" cy="0"/>
+            <a:off x="2527301" y="254794"/>
+            <a:ext cx="0" cy="2799556"/>
           </a:xfrm>
           <a:prstGeom prst="line">
             <a:avLst/>
           </a:prstGeom>
-          <a:ln w="25400">
-            <a:gradFill>
-              <a:gsLst>
-                <a:gs pos="0">
-                  <a:schemeClr val="accent4">
-                    <a:lumMod val="50000"/>
-                  </a:schemeClr>
-                </a:gs>
-                <a:gs pos="100000">
-                  <a:schemeClr val="accent6"/>
-                </a:gs>
-              </a:gsLst>
-              <a:lin ang="10800000" scaled="0"/>
-            </a:gradFill>
+          <a:ln w="44450">
+            <a:solidFill>
+              <a:schemeClr val="tx2"/>
+            </a:solidFill>
           </a:ln>
         </p:spPr>
         <p:style>
@@ -1979,399 +2255,58 @@
           </a:fontRef>
         </p:style>
       </p:cxnSp>
-      <p:grpSp>
-        <p:nvGrpSpPr>
-          <p:cNvPr id="9" name="Group 8">
+      <p:cxnSp>
+        <p:nvCxnSpPr>
+          <p:cNvPr id="19" name="Straight Connector 18">
             <a:extLst>
               <a:ext uri="{FF2B5EF4-FFF2-40B4-BE49-F238E27FC236}">
-                <a16:creationId xmlns:a16="http://schemas.microsoft.com/office/drawing/2014/main" id="{3C5B7647-403E-A66E-6CF4-0D3A99AA5154}"/>
+                <a16:creationId xmlns:a16="http://schemas.microsoft.com/office/drawing/2014/main" id="{E2B36471-5251-E878-F044-38C6E40BC5DE}"/>
               </a:ext>
               <a:ext uri="{C183D7F6-B498-43B3-948B-1728B52AA6E4}">
                 <adec:decorative xmlns:adec="http://schemas.microsoft.com/office/drawing/2017/decorative" val="1"/>
               </a:ext>
             </a:extLst>
           </p:cNvPr>
-          <p:cNvGrpSpPr/>
+          <p:cNvCxnSpPr>
+            <a:cxnSpLocks/>
+          </p:cNvCxnSpPr>
           <p:nvPr userDrawn="1"/>
-        </p:nvGrpSpPr>
-        <p:grpSpPr>
-          <a:xfrm rot="10800000" flipH="1">
-            <a:off x="10488530" y="4210019"/>
-            <a:ext cx="754139" cy="1865729"/>
-            <a:chOff x="653351" y="2693558"/>
-            <a:chExt cx="754139" cy="1865729"/>
+        </p:nvCxnSpPr>
+        <p:spPr>
+          <a:xfrm>
+            <a:off x="2527301" y="3822700"/>
+            <a:ext cx="0" cy="2799556"/>
           </a:xfrm>
-        </p:grpSpPr>
-        <p:sp>
-          <p:nvSpPr>
-            <p:cNvPr id="10" name="Graphic 15">
-              <a:extLst>
-                <a:ext uri="{FF2B5EF4-FFF2-40B4-BE49-F238E27FC236}">
-                  <a16:creationId xmlns:a16="http://schemas.microsoft.com/office/drawing/2014/main" id="{E48E731E-FEF1-9C59-64B0-9CB6E8853912}"/>
-                </a:ext>
-                <a:ext uri="{C183D7F6-B498-43B3-948B-1728B52AA6E4}">
-                  <adec:decorative xmlns:adec="http://schemas.microsoft.com/office/drawing/2017/decorative" val="1"/>
-                </a:ext>
-              </a:extLst>
-            </p:cNvPr>
-            <p:cNvSpPr/>
-            <p:nvPr/>
-          </p:nvSpPr>
-          <p:spPr>
-            <a:xfrm>
-              <a:off x="1098137" y="2693558"/>
-              <a:ext cx="128016" cy="128016"/>
-            </a:xfrm>
-            <a:custGeom>
-              <a:avLst/>
-              <a:gdLst>
-                <a:gd name="connsiteX0" fmla="*/ 63857 w 127713"/>
-                <a:gd name="connsiteY0" fmla="*/ 18874 h 127713"/>
-                <a:gd name="connsiteX1" fmla="*/ 108839 w 127713"/>
-                <a:gd name="connsiteY1" fmla="*/ 63857 h 127713"/>
-                <a:gd name="connsiteX2" fmla="*/ 63857 w 127713"/>
-                <a:gd name="connsiteY2" fmla="*/ 108839 h 127713"/>
-                <a:gd name="connsiteX3" fmla="*/ 18874 w 127713"/>
-                <a:gd name="connsiteY3" fmla="*/ 63857 h 127713"/>
-                <a:gd name="connsiteX4" fmla="*/ 63857 w 127713"/>
-                <a:gd name="connsiteY4" fmla="*/ 18874 h 127713"/>
-                <a:gd name="connsiteX5" fmla="*/ 63857 w 127713"/>
-                <a:gd name="connsiteY5" fmla="*/ 0 h 127713"/>
-                <a:gd name="connsiteX6" fmla="*/ 0 w 127713"/>
-                <a:gd name="connsiteY6" fmla="*/ 63857 h 127713"/>
-                <a:gd name="connsiteX7" fmla="*/ 63857 w 127713"/>
-                <a:gd name="connsiteY7" fmla="*/ 127713 h 127713"/>
-                <a:gd name="connsiteX8" fmla="*/ 127713 w 127713"/>
-                <a:gd name="connsiteY8" fmla="*/ 63857 h 127713"/>
-                <a:gd name="connsiteX9" fmla="*/ 63857 w 127713"/>
-                <a:gd name="connsiteY9" fmla="*/ 0 h 127713"/>
-              </a:gdLst>
-              <a:ahLst/>
-              <a:cxnLst>
-                <a:cxn ang="0">
-                  <a:pos x="connsiteX0" y="connsiteY0"/>
-                </a:cxn>
-                <a:cxn ang="0">
-                  <a:pos x="connsiteX1" y="connsiteY1"/>
-                </a:cxn>
-                <a:cxn ang="0">
-                  <a:pos x="connsiteX2" y="connsiteY2"/>
-                </a:cxn>
-                <a:cxn ang="0">
-                  <a:pos x="connsiteX3" y="connsiteY3"/>
-                </a:cxn>
-                <a:cxn ang="0">
-                  <a:pos x="connsiteX4" y="connsiteY4"/>
-                </a:cxn>
-                <a:cxn ang="0">
-                  <a:pos x="connsiteX5" y="connsiteY5"/>
-                </a:cxn>
-                <a:cxn ang="0">
-                  <a:pos x="connsiteX6" y="connsiteY6"/>
-                </a:cxn>
-                <a:cxn ang="0">
-                  <a:pos x="connsiteX7" y="connsiteY7"/>
-                </a:cxn>
-                <a:cxn ang="0">
-                  <a:pos x="connsiteX8" y="connsiteY8"/>
-                </a:cxn>
-                <a:cxn ang="0">
-                  <a:pos x="connsiteX9" y="connsiteY9"/>
-                </a:cxn>
-              </a:cxnLst>
-              <a:rect l="l" t="t" r="r" b="b"/>
-              <a:pathLst>
-                <a:path w="127713" h="127713">
-                  <a:moveTo>
-                    <a:pt x="63857" y="18874"/>
-                  </a:moveTo>
-                  <a:cubicBezTo>
-                    <a:pt x="88700" y="18874"/>
-                    <a:pt x="108839" y="39013"/>
-                    <a:pt x="108839" y="63857"/>
-                  </a:cubicBezTo>
-                  <a:cubicBezTo>
-                    <a:pt x="108839" y="88700"/>
-                    <a:pt x="88700" y="108839"/>
-                    <a:pt x="63857" y="108839"/>
-                  </a:cubicBezTo>
-                  <a:cubicBezTo>
-                    <a:pt x="39013" y="108839"/>
-                    <a:pt x="18874" y="88700"/>
-                    <a:pt x="18874" y="63857"/>
-                  </a:cubicBezTo>
-                  <a:cubicBezTo>
-                    <a:pt x="18898" y="39023"/>
-                    <a:pt x="39023" y="18898"/>
-                    <a:pt x="63857" y="18874"/>
-                  </a:cubicBezTo>
-                  <a:moveTo>
-                    <a:pt x="63857" y="0"/>
-                  </a:moveTo>
-                  <a:cubicBezTo>
-                    <a:pt x="28590" y="0"/>
-                    <a:pt x="0" y="28590"/>
-                    <a:pt x="0" y="63857"/>
-                  </a:cubicBezTo>
-                  <a:cubicBezTo>
-                    <a:pt x="0" y="99124"/>
-                    <a:pt x="28590" y="127713"/>
-                    <a:pt x="63857" y="127713"/>
-                  </a:cubicBezTo>
-                  <a:cubicBezTo>
-                    <a:pt x="99124" y="127713"/>
-                    <a:pt x="127713" y="99124"/>
-                    <a:pt x="127713" y="63857"/>
-                  </a:cubicBezTo>
-                  <a:cubicBezTo>
-                    <a:pt x="127713" y="28590"/>
-                    <a:pt x="99124" y="0"/>
-                    <a:pt x="63857" y="0"/>
-                  </a:cubicBezTo>
-                  <a:close/>
-                </a:path>
-              </a:pathLst>
-            </a:custGeom>
+          <a:prstGeom prst="line">
+            <a:avLst/>
+          </a:prstGeom>
+          <a:ln w="44450">
             <a:solidFill>
-              <a:schemeClr val="accent4">
-                <a:lumMod val="60000"/>
-                <a:lumOff val="40000"/>
-                <a:alpha val="49071"/>
-              </a:schemeClr>
+              <a:schemeClr val="tx2"/>
             </a:solidFill>
-            <a:ln w="610" cap="flat">
-              <a:noFill/>
-              <a:prstDash val="solid"/>
-              <a:miter/>
-            </a:ln>
-          </p:spPr>
-          <p:txBody>
-            <a:bodyPr rtlCol="0" anchor="ctr">
-              <a:noAutofit/>
-            </a:bodyPr>
-            <a:lstStyle/>
-            <a:p>
-              <a:endParaRPr lang="en-US" dirty="0"/>
-            </a:p>
-          </p:txBody>
-        </p:sp>
-        <p:sp>
-          <p:nvSpPr>
-            <p:cNvPr id="11" name="Graphic 12">
-              <a:extLst>
-                <a:ext uri="{FF2B5EF4-FFF2-40B4-BE49-F238E27FC236}">
-                  <a16:creationId xmlns:a16="http://schemas.microsoft.com/office/drawing/2014/main" id="{AFE83BB3-4D12-8E20-CA93-1834D7F0A434}"/>
-                </a:ext>
-                <a:ext uri="{C183D7F6-B498-43B3-948B-1728B52AA6E4}">
-                  <adec:decorative xmlns:adec="http://schemas.microsoft.com/office/drawing/2017/decorative" val="1"/>
-                </a:ext>
-              </a:extLst>
-            </p:cNvPr>
-            <p:cNvSpPr/>
-            <p:nvPr/>
-          </p:nvSpPr>
-          <p:spPr>
-            <a:xfrm>
-              <a:off x="1306906" y="3837599"/>
-              <a:ext cx="100584" cy="100584"/>
-            </a:xfrm>
-            <a:custGeom>
-              <a:avLst/>
-              <a:gdLst>
-                <a:gd name="connsiteX0" fmla="*/ 91138 w 91138"/>
-                <a:gd name="connsiteY0" fmla="*/ 45569 h 91138"/>
-                <a:gd name="connsiteX1" fmla="*/ 45569 w 91138"/>
-                <a:gd name="connsiteY1" fmla="*/ 91138 h 91138"/>
-                <a:gd name="connsiteX2" fmla="*/ 0 w 91138"/>
-                <a:gd name="connsiteY2" fmla="*/ 45569 h 91138"/>
-                <a:gd name="connsiteX3" fmla="*/ 45569 w 91138"/>
-                <a:gd name="connsiteY3" fmla="*/ 0 h 91138"/>
-                <a:gd name="connsiteX4" fmla="*/ 91138 w 91138"/>
-                <a:gd name="connsiteY4" fmla="*/ 45569 h 91138"/>
-              </a:gdLst>
-              <a:ahLst/>
-              <a:cxnLst>
-                <a:cxn ang="0">
-                  <a:pos x="connsiteX0" y="connsiteY0"/>
-                </a:cxn>
-                <a:cxn ang="0">
-                  <a:pos x="connsiteX1" y="connsiteY1"/>
-                </a:cxn>
-                <a:cxn ang="0">
-                  <a:pos x="connsiteX2" y="connsiteY2"/>
-                </a:cxn>
-                <a:cxn ang="0">
-                  <a:pos x="connsiteX3" y="connsiteY3"/>
-                </a:cxn>
-                <a:cxn ang="0">
-                  <a:pos x="connsiteX4" y="connsiteY4"/>
-                </a:cxn>
-              </a:cxnLst>
-              <a:rect l="l" t="t" r="r" b="b"/>
-              <a:pathLst>
-                <a:path w="91138" h="91138">
-                  <a:moveTo>
-                    <a:pt x="91138" y="45569"/>
-                  </a:moveTo>
-                  <a:cubicBezTo>
-                    <a:pt x="91138" y="70736"/>
-                    <a:pt x="70736" y="91138"/>
-                    <a:pt x="45569" y="91138"/>
-                  </a:cubicBezTo>
-                  <a:cubicBezTo>
-                    <a:pt x="20402" y="91138"/>
-                    <a:pt x="0" y="70736"/>
-                    <a:pt x="0" y="45569"/>
-                  </a:cubicBezTo>
-                  <a:cubicBezTo>
-                    <a:pt x="0" y="20402"/>
-                    <a:pt x="20402" y="0"/>
-                    <a:pt x="45569" y="0"/>
-                  </a:cubicBezTo>
-                  <a:cubicBezTo>
-                    <a:pt x="70736" y="0"/>
-                    <a:pt x="91138" y="20402"/>
-                    <a:pt x="91138" y="45569"/>
-                  </a:cubicBezTo>
-                  <a:close/>
-                </a:path>
-              </a:pathLst>
-            </a:custGeom>
-            <a:solidFill>
-              <a:schemeClr val="accent4">
-                <a:lumMod val="60000"/>
-                <a:lumOff val="40000"/>
-                <a:alpha val="49071"/>
-              </a:schemeClr>
-            </a:solidFill>
-            <a:ln w="422" cap="flat">
-              <a:noFill/>
-              <a:prstDash val="solid"/>
-              <a:miter/>
-            </a:ln>
-          </p:spPr>
-          <p:txBody>
-            <a:bodyPr rtlCol="0" anchor="ctr">
-              <a:noAutofit/>
-            </a:bodyPr>
-            <a:lstStyle/>
-            <a:p>
-              <a:endParaRPr lang="en-US" dirty="0"/>
-            </a:p>
-          </p:txBody>
-        </p:sp>
-        <p:sp>
-          <p:nvSpPr>
-            <p:cNvPr id="12" name="Graphic 12">
-              <a:extLst>
-                <a:ext uri="{FF2B5EF4-FFF2-40B4-BE49-F238E27FC236}">
-                  <a16:creationId xmlns:a16="http://schemas.microsoft.com/office/drawing/2014/main" id="{3EB1D810-BC05-6C0E-0DE4-3604EBAADCC3}"/>
-                </a:ext>
-                <a:ext uri="{C183D7F6-B498-43B3-948B-1728B52AA6E4}">
-                  <adec:decorative xmlns:adec="http://schemas.microsoft.com/office/drawing/2017/decorative" val="1"/>
-                </a:ext>
-              </a:extLst>
-            </p:cNvPr>
-            <p:cNvSpPr/>
-            <p:nvPr/>
-          </p:nvSpPr>
-          <p:spPr>
-            <a:xfrm>
-              <a:off x="653351" y="4521502"/>
-              <a:ext cx="45719" cy="37785"/>
-            </a:xfrm>
-            <a:custGeom>
-              <a:avLst/>
-              <a:gdLst>
-                <a:gd name="connsiteX0" fmla="*/ 91138 w 91138"/>
-                <a:gd name="connsiteY0" fmla="*/ 45569 h 91138"/>
-                <a:gd name="connsiteX1" fmla="*/ 45569 w 91138"/>
-                <a:gd name="connsiteY1" fmla="*/ 91138 h 91138"/>
-                <a:gd name="connsiteX2" fmla="*/ 0 w 91138"/>
-                <a:gd name="connsiteY2" fmla="*/ 45569 h 91138"/>
-                <a:gd name="connsiteX3" fmla="*/ 45569 w 91138"/>
-                <a:gd name="connsiteY3" fmla="*/ 0 h 91138"/>
-                <a:gd name="connsiteX4" fmla="*/ 91138 w 91138"/>
-                <a:gd name="connsiteY4" fmla="*/ 45569 h 91138"/>
-              </a:gdLst>
-              <a:ahLst/>
-              <a:cxnLst>
-                <a:cxn ang="0">
-                  <a:pos x="connsiteX0" y="connsiteY0"/>
-                </a:cxn>
-                <a:cxn ang="0">
-                  <a:pos x="connsiteX1" y="connsiteY1"/>
-                </a:cxn>
-                <a:cxn ang="0">
-                  <a:pos x="connsiteX2" y="connsiteY2"/>
-                </a:cxn>
-                <a:cxn ang="0">
-                  <a:pos x="connsiteX3" y="connsiteY3"/>
-                </a:cxn>
-                <a:cxn ang="0">
-                  <a:pos x="connsiteX4" y="connsiteY4"/>
-                </a:cxn>
-              </a:cxnLst>
-              <a:rect l="l" t="t" r="r" b="b"/>
-              <a:pathLst>
-                <a:path w="91138" h="91138">
-                  <a:moveTo>
-                    <a:pt x="91138" y="45569"/>
-                  </a:moveTo>
-                  <a:cubicBezTo>
-                    <a:pt x="91138" y="70736"/>
-                    <a:pt x="70736" y="91138"/>
-                    <a:pt x="45569" y="91138"/>
-                  </a:cubicBezTo>
-                  <a:cubicBezTo>
-                    <a:pt x="20402" y="91138"/>
-                    <a:pt x="0" y="70736"/>
-                    <a:pt x="0" y="45569"/>
-                  </a:cubicBezTo>
-                  <a:cubicBezTo>
-                    <a:pt x="0" y="20402"/>
-                    <a:pt x="20402" y="0"/>
-                    <a:pt x="45569" y="0"/>
-                  </a:cubicBezTo>
-                  <a:cubicBezTo>
-                    <a:pt x="70736" y="0"/>
-                    <a:pt x="91138" y="20402"/>
-                    <a:pt x="91138" y="45569"/>
-                  </a:cubicBezTo>
-                  <a:close/>
-                </a:path>
-              </a:pathLst>
-            </a:custGeom>
-            <a:solidFill>
-              <a:schemeClr val="accent4">
-                <a:lumMod val="60000"/>
-                <a:lumOff val="40000"/>
-                <a:alpha val="49071"/>
-              </a:schemeClr>
-            </a:solidFill>
-            <a:ln w="422" cap="flat">
-              <a:noFill/>
-              <a:prstDash val="solid"/>
-              <a:miter/>
-            </a:ln>
-          </p:spPr>
-          <p:txBody>
-            <a:bodyPr rtlCol="0" anchor="ctr">
-              <a:noAutofit/>
-            </a:bodyPr>
-            <a:lstStyle/>
-            <a:p>
-              <a:endParaRPr lang="en-US" dirty="0"/>
-            </a:p>
-          </p:txBody>
-        </p:sp>
-      </p:grpSp>
+          </a:ln>
+        </p:spPr>
+        <p:style>
+          <a:lnRef idx="1">
+            <a:schemeClr val="accent1"/>
+          </a:lnRef>
+          <a:fillRef idx="0">
+            <a:schemeClr val="accent1"/>
+          </a:fillRef>
+          <a:effectRef idx="0">
+            <a:schemeClr val="accent1"/>
+          </a:effectRef>
+          <a:fontRef idx="minor">
+            <a:schemeClr val="tx1"/>
+          </a:fontRef>
+        </p:style>
+      </p:cxnSp>
       <p:sp>
         <p:nvSpPr>
-          <p:cNvPr id="2" name="Title 1">
+          <p:cNvPr id="21" name="Title 1">
             <a:extLst>
               <a:ext uri="{FF2B5EF4-FFF2-40B4-BE49-F238E27FC236}">
-                <a16:creationId xmlns:a16="http://schemas.microsoft.com/office/drawing/2014/main" id="{DF8070BB-B3B5-3A8A-2466-D661C741794F}"/>
+                <a16:creationId xmlns:a16="http://schemas.microsoft.com/office/drawing/2014/main" id="{8AEBCDBA-FCC7-7DE8-DA64-AEF047502AF0}"/>
               </a:ext>
             </a:extLst>
           </p:cNvPr>
@@ -2383,22 +2318,21 @@
           </p:nvPr>
         </p:nvSpPr>
         <p:spPr>
-          <a:xfrm>
-            <a:off x="741680" y="430482"/>
-            <a:ext cx="10500989" cy="1327464"/>
+          <a:xfrm rot="16200000">
+            <a:off x="-1749423" y="2290758"/>
+            <a:ext cx="6276974" cy="2276477"/>
           </a:xfrm>
+          <a:effectLst/>
         </p:spPr>
         <p:txBody>
-          <a:bodyPr anchor="b">
+          <a:bodyPr tIns="0" bIns="0" anchor="ctr">
             <a:noAutofit/>
           </a:bodyPr>
           <a:lstStyle>
-            <a:lvl1pPr algn="l">
-              <a:defRPr sz="3200" cap="all" spc="0" baseline="0">
+            <a:lvl1pPr algn="ctr">
+              <a:defRPr sz="4000" b="0" cap="all" spc="0" baseline="0">
                 <a:solidFill>
-                  <a:schemeClr val="accent3">
-                    <a:lumMod val="75000"/>
-                  </a:schemeClr>
+                  <a:schemeClr val="tx2"/>
                 </a:solidFill>
               </a:defRPr>
             </a:lvl1pPr>
@@ -2406,17 +2340,17 @@
           <a:p>
             <a:r>
               <a:rPr lang="en-US" dirty="0"/>
-              <a:t>Click to add title</a:t>
+              <a:t>Click to Add title</a:t>
             </a:r>
           </a:p>
         </p:txBody>
       </p:sp>
       <p:sp>
         <p:nvSpPr>
-          <p:cNvPr id="5" name="Content Placeholder 4">
+          <p:cNvPr id="16" name="Slide Number Placeholder 4">
             <a:extLst>
               <a:ext uri="{FF2B5EF4-FFF2-40B4-BE49-F238E27FC236}">
-                <a16:creationId xmlns:a16="http://schemas.microsoft.com/office/drawing/2014/main" id="{A2003C5A-BF21-DE87-0ED1-3E2D0F32B5D8}"/>
+                <a16:creationId xmlns:a16="http://schemas.microsoft.com/office/drawing/2014/main" id="{3CC93403-272F-4058-38E7-95034FA1AFCF}"/>
               </a:ext>
             </a:extLst>
           </p:cNvPr>
@@ -2424,139 +2358,50 @@
             <a:spLocks noGrp="1"/>
           </p:cNvSpPr>
           <p:nvPr>
-            <p:ph sz="quarter" idx="35" hasCustomPrompt="1"/>
+            <p:ph type="sldNum" sz="quarter" idx="12"/>
           </p:nvPr>
         </p:nvSpPr>
         <p:spPr>
           <a:xfrm>
-            <a:off x="807038" y="2465539"/>
-            <a:ext cx="3774587" cy="3723753"/>
+            <a:off x="2194590" y="3062287"/>
+            <a:ext cx="665421" cy="766763"/>
           </a:xfrm>
+          <a:prstGeom prst="rect">
+            <a:avLst/>
+          </a:prstGeom>
+          <a:noFill/>
+          <a:effectLst/>
         </p:spPr>
         <p:txBody>
-          <a:bodyPr/>
+          <a:bodyPr lIns="0" rIns="0"/>
           <a:lstStyle>
-            <a:lvl1pPr marL="342900" indent="-342900">
-              <a:lnSpc>
-                <a:spcPct val="120000"/>
-              </a:lnSpc>
-              <a:spcBef>
-                <a:spcPts val="1000"/>
-              </a:spcBef>
-              <a:buClr>
-                <a:schemeClr val="accent3">
-                  <a:lumMod val="75000"/>
-                </a:schemeClr>
-              </a:buClr>
-              <a:buFont typeface="+mj-lt"/>
-              <a:buAutoNum type="arabicPeriod"/>
-              <a:defRPr sz="1800" spc="0" baseline="0">
+            <a:lvl1pPr algn="ctr">
+              <a:defRPr lang="en-US" sz="1800" b="1" kern="1200" cap="all" spc="150" baseline="0" smtClean="0">
                 <a:solidFill>
-                  <a:schemeClr val="bg1"/>
+                  <a:schemeClr val="tx2"/>
                 </a:solidFill>
                 <a:latin typeface="+mn-lt"/>
+                <a:ea typeface="+mn-ea"/>
+                <a:cs typeface="+mn-cs"/>
               </a:defRPr>
             </a:lvl1pPr>
-            <a:lvl2pPr marL="626364" indent="-342900">
-              <a:lnSpc>
-                <a:spcPct val="120000"/>
-              </a:lnSpc>
-              <a:spcBef>
-                <a:spcPts val="1000"/>
-              </a:spcBef>
-              <a:buClr>
-                <a:schemeClr val="accent3">
-                  <a:lumMod val="75000"/>
-                </a:schemeClr>
-              </a:buClr>
-              <a:buFont typeface="+mj-lt"/>
-              <a:buAutoNum type="alphaLcPeriod"/>
-              <a:defRPr sz="1800" spc="0">
-                <a:solidFill>
-                  <a:schemeClr val="bg1"/>
-                </a:solidFill>
-                <a:latin typeface="+mn-lt"/>
-              </a:defRPr>
-            </a:lvl2pPr>
-            <a:lvl3pPr marL="918972" indent="-342900">
-              <a:lnSpc>
-                <a:spcPct val="120000"/>
-              </a:lnSpc>
-              <a:spcBef>
-                <a:spcPts val="1000"/>
-              </a:spcBef>
-              <a:buClr>
-                <a:schemeClr val="accent3">
-                  <a:lumMod val="75000"/>
-                </a:schemeClr>
-              </a:buClr>
-              <a:buFont typeface="+mj-lt"/>
-              <a:buAutoNum type="arabicParenR"/>
-              <a:defRPr sz="1800" spc="0">
-                <a:solidFill>
-                  <a:schemeClr val="bg1"/>
-                </a:solidFill>
-                <a:latin typeface="+mn-lt"/>
-              </a:defRPr>
-            </a:lvl3pPr>
-            <a:lvl4pPr marL="1209294" indent="-342900">
-              <a:lnSpc>
-                <a:spcPct val="120000"/>
-              </a:lnSpc>
-              <a:spcBef>
-                <a:spcPts val="1000"/>
-              </a:spcBef>
-              <a:buClr>
-                <a:schemeClr val="accent3">
-                  <a:lumMod val="75000"/>
-                </a:schemeClr>
-              </a:buClr>
-              <a:buFont typeface="+mj-lt"/>
-              <a:buAutoNum type="alphaLcParenR"/>
-              <a:defRPr sz="1800" spc="0">
-                <a:solidFill>
-                  <a:schemeClr val="bg1"/>
-                </a:solidFill>
-                <a:latin typeface="+mn-lt"/>
-              </a:defRPr>
-            </a:lvl4pPr>
           </a:lstStyle>
           <a:p>
-            <a:pPr lvl="0"/>
-            <a:r>
-              <a:rPr lang="en-US" dirty="0"/>
-              <a:t>Click to add content</a:t>
-            </a:r>
-          </a:p>
-          <a:p>
-            <a:pPr lvl="1"/>
-            <a:r>
-              <a:rPr lang="en-US" dirty="0"/>
-              <a:t>Second level</a:t>
-            </a:r>
-          </a:p>
-          <a:p>
-            <a:pPr lvl="2"/>
-            <a:r>
-              <a:rPr lang="en-US" dirty="0"/>
-              <a:t>Third level</a:t>
-            </a:r>
-          </a:p>
-          <a:p>
-            <a:pPr lvl="3"/>
-            <a:r>
-              <a:rPr lang="en-US" dirty="0"/>
-              <a:t>Fourth level</a:t>
-            </a:r>
+            <a:fld id="{8A7A6979-0714-4377-B894-6BE4C2D6E202}" type="slidenum">
+              <a:rPr lang="en-US" smtClean="0"/>
+              <a:pPr/>
+              <a:t>‹#›</a:t>
+            </a:fld>
+            <a:endParaRPr lang="en-US" dirty="0"/>
           </a:p>
         </p:txBody>
       </p:sp>
       <p:sp>
         <p:nvSpPr>
-          <p:cNvPr id="6" name="Picture Placeholder 12">
+          <p:cNvPr id="10" name="Content Placeholder 3">
             <a:extLst>
               <a:ext uri="{FF2B5EF4-FFF2-40B4-BE49-F238E27FC236}">
-                <a16:creationId xmlns:a16="http://schemas.microsoft.com/office/drawing/2014/main" id="{F795324F-3564-501F-776E-1003E8C38DE9}"/>
+                <a16:creationId xmlns:a16="http://schemas.microsoft.com/office/drawing/2014/main" id="{E6D26F94-DE81-6530-E728-ABDCC088359D}"/>
               </a:ext>
             </a:extLst>
           </p:cNvPr>
@@ -2564,49 +2409,118 @@
             <a:spLocks noGrp="1"/>
           </p:cNvSpPr>
           <p:nvPr>
-            <p:ph type="pic" sz="quarter" idx="10"/>
+            <p:ph sz="half" idx="2" hasCustomPrompt="1"/>
           </p:nvPr>
         </p:nvSpPr>
         <p:spPr>
           <a:xfrm>
-            <a:off x="4835371" y="2488825"/>
-            <a:ext cx="6407298" cy="3700454"/>
+            <a:off x="4851400" y="586740"/>
+            <a:ext cx="6643944" cy="1267818"/>
+          </a:xfrm>
+        </p:spPr>
+        <p:txBody>
+          <a:bodyPr anchor="ctr">
+            <a:normAutofit/>
+          </a:bodyPr>
+          <a:lstStyle>
+            <a:lvl1pPr marL="285750" indent="-285750">
+              <a:spcAft>
+                <a:spcPts val="600"/>
+              </a:spcAft>
+              <a:buFont typeface="Arial" panose="020B0604020202020204" pitchFamily="34" charset="0"/>
+              <a:buChar char="•"/>
+              <a:defRPr sz="1800">
+                <a:solidFill>
+                  <a:schemeClr val="tx2"/>
+                </a:solidFill>
+              </a:defRPr>
+            </a:lvl1pPr>
+            <a:lvl2pPr marL="228600" indent="0">
+              <a:spcAft>
+                <a:spcPts val="600"/>
+              </a:spcAft>
+              <a:buNone/>
+              <a:defRPr sz="1800">
+                <a:solidFill>
+                  <a:schemeClr val="tx2"/>
+                </a:solidFill>
+              </a:defRPr>
+            </a:lvl2pPr>
+            <a:lvl3pPr>
+              <a:spcAft>
+                <a:spcPts val="600"/>
+              </a:spcAft>
+              <a:defRPr sz="1800"/>
+            </a:lvl3pPr>
+            <a:lvl4pPr>
+              <a:spcAft>
+                <a:spcPts val="600"/>
+              </a:spcAft>
+              <a:defRPr sz="1800"/>
+            </a:lvl4pPr>
+            <a:lvl5pPr>
+              <a:spcAft>
+                <a:spcPts val="600"/>
+              </a:spcAft>
+              <a:defRPr sz="1800"/>
+            </a:lvl5pPr>
+          </a:lstStyle>
+          <a:p>
+            <a:pPr lvl="0"/>
+            <a:r>
+              <a:rPr lang="en-US" dirty="0"/>
+              <a:t>Click to add content</a:t>
+            </a:r>
+          </a:p>
+          <a:p>
+            <a:pPr lvl="1"/>
+            <a:r>
+              <a:rPr lang="en-US" dirty="0"/>
+              <a:t>Second level</a:t>
+            </a:r>
+          </a:p>
+        </p:txBody>
+      </p:sp>
+      <p:sp>
+        <p:nvSpPr>
+          <p:cNvPr id="3" name="Picture Placeholder 2">
+            <a:extLst>
+              <a:ext uri="{FF2B5EF4-FFF2-40B4-BE49-F238E27FC236}">
+                <a16:creationId xmlns:a16="http://schemas.microsoft.com/office/drawing/2014/main" id="{FC5FDBE2-D568-A176-2F42-4AE6431D92D5}"/>
+              </a:ext>
+            </a:extLst>
+          </p:cNvPr>
+          <p:cNvSpPr>
+            <a:spLocks noGrp="1"/>
+          </p:cNvSpPr>
+          <p:nvPr>
+            <p:ph type="pic" sz="quarter" idx="13"/>
+          </p:nvPr>
+        </p:nvSpPr>
+        <p:spPr>
+          <a:xfrm>
+            <a:off x="4851400" y="1996225"/>
+            <a:ext cx="6643688" cy="4440849"/>
           </a:xfrm>
         </p:spPr>
         <p:txBody>
           <a:bodyPr/>
           <a:lstStyle/>
           <a:p>
-            <a:endParaRPr lang="en-CN"/>
+            <a:endParaRPr lang="zh-CN" altLang="en-US"/>
           </a:p>
         </p:txBody>
       </p:sp>
     </p:spTree>
     <p:extLst>
       <p:ext uri="{BB962C8B-B14F-4D97-AF65-F5344CB8AC3E}">
-        <p14:creationId xmlns:p14="http://schemas.microsoft.com/office/powerpoint/2010/main" val="966222750"/>
+        <p14:creationId xmlns:p14="http://schemas.microsoft.com/office/powerpoint/2010/main" val="2927646899"/>
       </p:ext>
     </p:extLst>
   </p:cSld>
   <p:clrMapOvr>
     <a:masterClrMapping/>
   </p:clrMapOvr>
-  <p:extLst>
-    <p:ext uri="{DCECCB84-F9BA-43D5-87BE-67443E8EF086}">
-      <p15:sldGuideLst xmlns:p15="http://schemas.microsoft.com/office/powerpoint/2012/main">
-        <p15:guide id="1" orient="horz" pos="2160" userDrawn="1">
-          <p15:clr>
-            <a:srgbClr val="FBAE40"/>
-          </p15:clr>
-        </p15:guide>
-        <p15:guide id="2" pos="3840" userDrawn="1">
-          <p15:clr>
-            <a:srgbClr val="FBAE40"/>
-          </p15:clr>
-        </p15:guide>
-      </p15:sldGuideLst>
-    </p:ext>
-  </p:extLst>
 </p:sldLayout>
 </file>
 
@@ -2615,17 +2529,11 @@
   <p:cSld>
     <p:bg>
       <p:bgPr>
-        <a:gradFill>
-          <a:gsLst>
-            <a:gs pos="0">
-              <a:schemeClr val="tx1"/>
-            </a:gs>
-            <a:gs pos="99000">
-              <a:srgbClr val="05202E"/>
-            </a:gs>
-          </a:gsLst>
-          <a:lin ang="5400000" scaled="1"/>
-        </a:gradFill>
+        <a:solidFill>
+          <a:schemeClr val="bg1">
+            <a:lumMod val="95000"/>
+          </a:schemeClr>
+        </a:solidFill>
         <a:effectLst/>
       </p:bgPr>
     </p:bg>
@@ -2645,13 +2553,7 @@
       </p:grpSpPr>
       <p:sp>
         <p:nvSpPr>
-          <p:cNvPr id="2" name="Title Placeholder 1">
-            <a:extLst>
-              <a:ext uri="{FF2B5EF4-FFF2-40B4-BE49-F238E27FC236}">
-                <a16:creationId xmlns:a16="http://schemas.microsoft.com/office/drawing/2014/main" id="{6C3EA418-19D1-0D4D-BE52-40A86E32FBFC}"/>
-              </a:ext>
-            </a:extLst>
-          </p:cNvPr>
+          <p:cNvPr id="2" name="Title Placeholder 1"/>
           <p:cNvSpPr>
             <a:spLocks noGrp="1"/>
           </p:cNvSpPr>
@@ -2659,18 +2561,23 @@
             <p:ph type="title"/>
           </p:nvPr>
         </p:nvSpPr>
-        <p:spPr>
+        <p:spPr bwMode="black">
           <a:xfrm>
-            <a:off x="838200" y="365125"/>
-            <a:ext cx="10515600" cy="1325563"/>
+            <a:off x="2231136" y="964692"/>
+            <a:ext cx="7729728" cy="1188720"/>
           </a:xfrm>
           <a:prstGeom prst="rect">
             <a:avLst/>
           </a:prstGeom>
+          <a:noFill/>
+          <a:ln w="31750" cap="sq">
+            <a:noFill/>
+            <a:miter lim="800000"/>
+          </a:ln>
         </p:spPr>
         <p:txBody>
-          <a:bodyPr vert="horz" lIns="91440" tIns="45720" rIns="91440" bIns="45720" rtlCol="0" anchor="ctr">
-            <a:noAutofit/>
+          <a:bodyPr vert="horz" lIns="182880" tIns="182880" rIns="182880" bIns="182880" rtlCol="0" anchor="ctr">
+            <a:normAutofit/>
           </a:bodyPr>
           <a:lstStyle/>
           <a:p>
@@ -2678,19 +2585,12 @@
               <a:rPr lang="en-US"/>
               <a:t>Click to edit Master title style</a:t>
             </a:r>
-            <a:endParaRPr lang="en-US" dirty="0"/>
           </a:p>
         </p:txBody>
       </p:sp>
       <p:sp>
         <p:nvSpPr>
-          <p:cNvPr id="3" name="Text Placeholder 2">
-            <a:extLst>
-              <a:ext uri="{FF2B5EF4-FFF2-40B4-BE49-F238E27FC236}">
-                <a16:creationId xmlns:a16="http://schemas.microsoft.com/office/drawing/2014/main" id="{612BAE0C-5187-A64D-A481-E69245670354}"/>
-              </a:ext>
-            </a:extLst>
-          </p:cNvPr>
+          <p:cNvPr id="3" name="Text Placeholder 2"/>
           <p:cNvSpPr>
             <a:spLocks noGrp="1"/>
           </p:cNvSpPr>
@@ -2700,8 +2600,8 @@
         </p:nvSpPr>
         <p:spPr>
           <a:xfrm>
-            <a:off x="838200" y="1825625"/>
-            <a:ext cx="10515600" cy="4351338"/>
+            <a:off x="2231136" y="2638044"/>
+            <a:ext cx="7729728" cy="3101983"/>
           </a:xfrm>
           <a:prstGeom prst="rect">
             <a:avLst/>
@@ -2709,7 +2609,7 @@
         </p:spPr>
         <p:txBody>
           <a:bodyPr vert="horz" lIns="91440" tIns="45720" rIns="91440" bIns="45720" rtlCol="0">
-            <a:noAutofit/>
+            <a:normAutofit/>
           </a:bodyPr>
           <a:lstStyle/>
           <a:p>
@@ -2746,19 +2646,12 @@
               <a:rPr lang="en-US"/>
               <a:t>Fifth level</a:t>
             </a:r>
-            <a:endParaRPr lang="en-US" dirty="0"/>
           </a:p>
         </p:txBody>
       </p:sp>
       <p:sp>
         <p:nvSpPr>
-          <p:cNvPr id="4" name="Date Placeholder 3">
-            <a:extLst>
-              <a:ext uri="{FF2B5EF4-FFF2-40B4-BE49-F238E27FC236}">
-                <a16:creationId xmlns:a16="http://schemas.microsoft.com/office/drawing/2014/main" id="{F9759C05-48F5-9346-8256-5B61C6990EC0}"/>
-              </a:ext>
-            </a:extLst>
-          </p:cNvPr>
+          <p:cNvPr id="4" name="Date Placeholder 3"/>
           <p:cNvSpPr>
             <a:spLocks noGrp="1"/>
           </p:cNvSpPr>
@@ -2768,42 +2661,38 @@
         </p:nvSpPr>
         <p:spPr>
           <a:xfrm>
-            <a:off x="838200" y="6356350"/>
-            <a:ext cx="2743200" cy="365125"/>
+            <a:off x="7821429" y="6238816"/>
+            <a:ext cx="2753746" cy="323968"/>
           </a:xfrm>
           <a:prstGeom prst="rect">
             <a:avLst/>
           </a:prstGeom>
         </p:spPr>
         <p:txBody>
-          <a:bodyPr vert="horz" lIns="91440" tIns="45720" rIns="91440" bIns="45720" rtlCol="0" anchor="ctr">
-            <a:noAutofit/>
-          </a:bodyPr>
+          <a:bodyPr vert="horz" lIns="91440" tIns="45720" rIns="91440" bIns="45720" rtlCol="0" anchor="ctr"/>
           <a:lstStyle>
-            <a:lvl1pPr algn="l">
-              <a:defRPr sz="1200">
+            <a:lvl1pPr algn="r">
+              <a:defRPr sz="1050">
                 <a:solidFill>
-                  <a:schemeClr val="bg1"/>
+                  <a:schemeClr val="tx1">
+                    <a:alpha val="70000"/>
+                  </a:schemeClr>
                 </a:solidFill>
-                <a:latin typeface="+mj-lt"/>
-                <a:cs typeface="Biome" panose="020B0503030204020804" pitchFamily="34" charset="0"/>
               </a:defRPr>
             </a:lvl1pPr>
           </a:lstStyle>
           <a:p>
+            <a:fld id="{F9B8B6D2-5532-4B59-9C5A-AB106F128946}" type="datetime1">
+              <a:rPr lang="en-US" smtClean="0"/>
+              <a:t>11/17/2024</a:t>
+            </a:fld>
             <a:endParaRPr lang="en-US" dirty="0"/>
           </a:p>
         </p:txBody>
       </p:sp>
       <p:sp>
         <p:nvSpPr>
-          <p:cNvPr id="5" name="Footer Placeholder 4">
-            <a:extLst>
-              <a:ext uri="{FF2B5EF4-FFF2-40B4-BE49-F238E27FC236}">
-                <a16:creationId xmlns:a16="http://schemas.microsoft.com/office/drawing/2014/main" id="{84175D63-7351-9C4A-AEE0-10E27B3B6457}"/>
-              </a:ext>
-            </a:extLst>
-          </p:cNvPr>
+          <p:cNvPr id="5" name="Footer Placeholder 4"/>
           <p:cNvSpPr>
             <a:spLocks noGrp="1"/>
           </p:cNvSpPr>
@@ -2813,45 +2702,34 @@
         </p:nvSpPr>
         <p:spPr>
           <a:xfrm>
-            <a:off x="4038600" y="6356350"/>
-            <a:ext cx="4114800" cy="365125"/>
+            <a:off x="1600200" y="6236208"/>
+            <a:ext cx="5901189" cy="320040"/>
           </a:xfrm>
           <a:prstGeom prst="rect">
             <a:avLst/>
           </a:prstGeom>
         </p:spPr>
         <p:txBody>
-          <a:bodyPr vert="horz" lIns="91440" tIns="45720" rIns="91440" bIns="45720" rtlCol="0" anchor="ctr">
-            <a:noAutofit/>
-          </a:bodyPr>
+          <a:bodyPr vert="horz" lIns="91440" tIns="45720" rIns="91440" bIns="45720" rtlCol="0" anchor="ctr"/>
           <a:lstStyle>
-            <a:lvl1pPr algn="ctr">
-              <a:defRPr sz="1200">
+            <a:lvl1pPr algn="l">
+              <a:defRPr sz="1050">
                 <a:solidFill>
-                  <a:schemeClr val="bg1"/>
+                  <a:schemeClr val="tx1">
+                    <a:alpha val="70000"/>
+                  </a:schemeClr>
                 </a:solidFill>
-                <a:latin typeface="+mj-lt"/>
-                <a:cs typeface="Biome" panose="020B0503030204020804" pitchFamily="34" charset="0"/>
               </a:defRPr>
             </a:lvl1pPr>
           </a:lstStyle>
           <a:p>
-            <a:r>
-              <a:rPr lang="en-US" dirty="0"/>
-              <a:t>Presentation title</a:t>
-            </a:r>
+            <a:endParaRPr lang="en-US" dirty="0"/>
           </a:p>
         </p:txBody>
       </p:sp>
       <p:sp>
         <p:nvSpPr>
-          <p:cNvPr id="6" name="Slide Number Placeholder 5">
-            <a:extLst>
-              <a:ext uri="{FF2B5EF4-FFF2-40B4-BE49-F238E27FC236}">
-                <a16:creationId xmlns:a16="http://schemas.microsoft.com/office/drawing/2014/main" id="{7350889F-2BBA-5F45-95BC-BEA66881675D}"/>
-              </a:ext>
-            </a:extLst>
-          </p:cNvPr>
+          <p:cNvPr id="6" name="Slide Number Placeholder 5"/>
           <p:cNvSpPr>
             <a:spLocks noGrp="1"/>
           </p:cNvSpPr>
@@ -2861,31 +2739,34 @@
         </p:nvSpPr>
         <p:spPr>
           <a:xfrm>
-            <a:off x="8610600" y="6356350"/>
-            <a:ext cx="2743200" cy="365125"/>
+            <a:off x="10758922" y="6217920"/>
+            <a:ext cx="365760" cy="365760"/>
           </a:xfrm>
-          <a:prstGeom prst="rect">
+          <a:prstGeom prst="ellipse">
             <a:avLst/>
           </a:prstGeom>
+          <a:solidFill>
+            <a:srgbClr val="1D1D1D">
+              <a:alpha val="70000"/>
+            </a:srgbClr>
+          </a:solidFill>
         </p:spPr>
         <p:txBody>
-          <a:bodyPr vert="horz" lIns="91440" tIns="45720" rIns="91440" bIns="45720" rtlCol="0" anchor="ctr">
+          <a:bodyPr vert="horz" lIns="18288" tIns="45720" rIns="18288" bIns="45720" rtlCol="0" anchor="ctr">
             <a:noAutofit/>
           </a:bodyPr>
           <a:lstStyle>
-            <a:lvl1pPr algn="r">
-              <a:defRPr sz="1200">
+            <a:lvl1pPr algn="ctr">
+              <a:defRPr sz="1100" spc="0" baseline="0">
                 <a:solidFill>
-                  <a:schemeClr val="bg1"/>
+                  <a:srgbClr val="FFFFFF"/>
                 </a:solidFill>
-                <a:latin typeface="+mj-lt"/>
-                <a:cs typeface="Biome" panose="020B0503030204020804" pitchFamily="34" charset="0"/>
               </a:defRPr>
             </a:lvl1pPr>
           </a:lstStyle>
           <a:p>
-            <a:fld id="{FE024F78-56A6-7740-B68D-8D4D026EDF3F}" type="slidenum">
-              <a:rPr lang="en-US" smtClean="0"/>
+            <a:fld id="{8A7A6979-0714-4377-B894-6BE4C2D6E202}" type="slidenum">
+              <a:rPr lang="en-US" dirty="0"/>
               <a:pPr/>
               <a:t>‹#›</a:t>
             </a:fld>
@@ -2894,23 +2775,18 @@
         </p:txBody>
       </p:sp>
     </p:spTree>
-    <p:extLst>
-      <p:ext uri="{BB962C8B-B14F-4D97-AF65-F5344CB8AC3E}">
-        <p14:creationId xmlns:p14="http://schemas.microsoft.com/office/powerpoint/2010/main" val="1955693199"/>
-      </p:ext>
-    </p:extLst>
   </p:cSld>
   <p:clrMap bg1="lt1" tx1="dk1" bg2="lt2" tx2="dk2" accent1="accent1" accent2="accent2" accent3="accent3" accent4="accent4" accent5="accent5" accent6="accent6" hlink="hlink" folHlink="folHlink"/>
   <p:sldLayoutIdLst>
-    <p:sldLayoutId id="2147483679" r:id="rId1"/>
-    <p:sldLayoutId id="2147483669" r:id="rId2"/>
-    <p:sldLayoutId id="2147483680" r:id="rId3"/>
-    <p:sldLayoutId id="2147483676" r:id="rId4"/>
+    <p:sldLayoutId id="2147483738" r:id="rId1"/>
+    <p:sldLayoutId id="2147483730" r:id="rId2"/>
+    <p:sldLayoutId id="2147483708" r:id="rId3"/>
+    <p:sldLayoutId id="2147483745" r:id="rId4"/>
   </p:sldLayoutIdLst>
-  <p:hf hdr="0" ftr="0" dt="0"/>
+  <p:hf sldNum="0" hdr="0" ftr="0" dt="0"/>
   <p:txStyles>
     <p:titleStyle>
-      <a:lvl1pPr algn="l" defTabSz="914400" rtl="0" eaLnBrk="1" latinLnBrk="0" hangingPunct="1">
+      <a:lvl1pPr algn="ctr" defTabSz="914400" rtl="0" eaLnBrk="1" latinLnBrk="0" hangingPunct="1">
         <a:lnSpc>
           <a:spcPct val="90000"/>
         </a:lnSpc>
@@ -2918,129 +2794,150 @@
           <a:spcPct val="0"/>
         </a:spcBef>
         <a:buNone/>
-        <a:defRPr sz="4400" kern="1200" spc="300" baseline="0">
+        <a:defRPr sz="2800" kern="1200" cap="all" spc="200" baseline="0">
           <a:solidFill>
-            <a:schemeClr val="bg1"/>
+            <a:srgbClr val="262626"/>
           </a:solidFill>
           <a:latin typeface="+mj-lt"/>
           <a:ea typeface="+mj-ea"/>
-          <a:cs typeface="Biome" panose="020B0503030204020804" pitchFamily="34" charset="0"/>
+          <a:cs typeface="+mj-cs"/>
         </a:defRPr>
       </a:lvl1pPr>
     </p:titleStyle>
     <p:bodyStyle>
-      <a:lvl1pPr marL="0" indent="0" algn="l" defTabSz="914400" rtl="0" eaLnBrk="1" latinLnBrk="0" hangingPunct="1">
+      <a:lvl1pPr marL="228600" indent="-228600" algn="l" defTabSz="914400" rtl="0" eaLnBrk="1" latinLnBrk="0" hangingPunct="1">
         <a:lnSpc>
-          <a:spcPct val="90000"/>
+          <a:spcPct val="100000"/>
         </a:lnSpc>
         <a:spcBef>
           <a:spcPts val="1000"/>
         </a:spcBef>
-        <a:buFont typeface="Arial" panose="020B0604020202020204" pitchFamily="34" charset="0"/>
-        <a:buNone/>
-        <a:defRPr sz="2800" kern="1200">
-          <a:solidFill>
-            <a:schemeClr val="accent3"/>
-          </a:solidFill>
-          <a:latin typeface="+mj-lt"/>
-          <a:ea typeface="+mn-ea"/>
-          <a:cs typeface="Biome" panose="020B0503030204020804" pitchFamily="34" charset="0"/>
-        </a:defRPr>
-      </a:lvl1pPr>
-      <a:lvl2pPr marL="800100" indent="-342900" algn="l" defTabSz="914400" rtl="0" eaLnBrk="1" latinLnBrk="0" hangingPunct="1">
-        <a:lnSpc>
-          <a:spcPct val="90000"/>
-        </a:lnSpc>
-        <a:spcBef>
-          <a:spcPts val="500"/>
-        </a:spcBef>
         <a:buClr>
-          <a:schemeClr val="accent6"/>
+          <a:schemeClr val="accent2"/>
         </a:buClr>
         <a:buFont typeface="Arial" panose="020B0604020202020204" pitchFamily="34" charset="0"/>
         <a:buChar char="•"/>
-        <a:defRPr sz="2400" kern="1200">
+        <a:defRPr sz="1800" kern="1200">
           <a:solidFill>
-            <a:schemeClr val="bg1"/>
+            <a:schemeClr val="tx1">
+              <a:lumMod val="85000"/>
+              <a:lumOff val="15000"/>
+            </a:schemeClr>
+          </a:solidFill>
+          <a:latin typeface="+mn-lt"/>
+          <a:ea typeface="+mn-ea"/>
+          <a:cs typeface="+mn-cs"/>
+        </a:defRPr>
+      </a:lvl1pPr>
+      <a:lvl2pPr marL="457200" indent="-228600" algn="l" defTabSz="914400" rtl="0" eaLnBrk="1" latinLnBrk="0" hangingPunct="1">
+        <a:lnSpc>
+          <a:spcPct val="100000"/>
+        </a:lnSpc>
+        <a:spcBef>
+          <a:spcPts val="1000"/>
+        </a:spcBef>
+        <a:buClr>
+          <a:schemeClr val="accent2"/>
+        </a:buClr>
+        <a:buFont typeface="Arial" panose="020B0604020202020204" pitchFamily="34" charset="0"/>
+        <a:buChar char="•"/>
+        <a:defRPr sz="1600" kern="1200">
+          <a:solidFill>
+            <a:schemeClr val="tx1">
+              <a:lumMod val="85000"/>
+              <a:lumOff val="15000"/>
+            </a:schemeClr>
           </a:solidFill>
           <a:latin typeface="+mn-lt"/>
           <a:ea typeface="+mn-ea"/>
           <a:cs typeface="+mn-cs"/>
         </a:defRPr>
       </a:lvl2pPr>
-      <a:lvl3pPr marL="1257300" indent="-342900" algn="l" defTabSz="914400" rtl="0" eaLnBrk="1" latinLnBrk="0" hangingPunct="1">
+      <a:lvl3pPr marL="685800" indent="-228600" algn="l" defTabSz="914400" rtl="0" eaLnBrk="1" latinLnBrk="0" hangingPunct="1">
         <a:lnSpc>
-          <a:spcPct val="90000"/>
+          <a:spcPct val="100000"/>
         </a:lnSpc>
         <a:spcBef>
-          <a:spcPts val="500"/>
+          <a:spcPts val="1000"/>
         </a:spcBef>
         <a:buClr>
-          <a:schemeClr val="accent6"/>
+          <a:schemeClr val="accent2"/>
         </a:buClr>
         <a:buFont typeface="Arial" panose="020B0604020202020204" pitchFamily="34" charset="0"/>
         <a:buChar char="•"/>
-        <a:defRPr sz="2000" kern="1200">
+        <a:defRPr sz="1600" kern="1200">
           <a:solidFill>
-            <a:schemeClr val="bg1"/>
+            <a:schemeClr val="tx1">
+              <a:lumMod val="85000"/>
+              <a:lumOff val="15000"/>
+            </a:schemeClr>
           </a:solidFill>
           <a:latin typeface="+mn-lt"/>
           <a:ea typeface="+mn-ea"/>
           <a:cs typeface="+mn-cs"/>
         </a:defRPr>
       </a:lvl3pPr>
-      <a:lvl4pPr marL="1657350" indent="-285750" algn="l" defTabSz="914400" rtl="0" eaLnBrk="1" latinLnBrk="0" hangingPunct="1">
+      <a:lvl4pPr marL="914400" indent="-228600" algn="l" defTabSz="914400" rtl="0" eaLnBrk="1" latinLnBrk="0" hangingPunct="1">
         <a:lnSpc>
-          <a:spcPct val="90000"/>
+          <a:spcPct val="100000"/>
         </a:lnSpc>
         <a:spcBef>
-          <a:spcPts val="500"/>
+          <a:spcPts val="1000"/>
         </a:spcBef>
         <a:buClr>
-          <a:schemeClr val="accent6"/>
+          <a:schemeClr val="accent2"/>
         </a:buClr>
         <a:buFont typeface="Arial" panose="020B0604020202020204" pitchFamily="34" charset="0"/>
         <a:buChar char="•"/>
-        <a:defRPr sz="1800" kern="1200">
+        <a:defRPr sz="1600" kern="1200">
           <a:solidFill>
-            <a:schemeClr val="bg1"/>
+            <a:schemeClr val="tx1">
+              <a:lumMod val="85000"/>
+              <a:lumOff val="15000"/>
+            </a:schemeClr>
           </a:solidFill>
           <a:latin typeface="+mn-lt"/>
           <a:ea typeface="+mn-ea"/>
           <a:cs typeface="+mn-cs"/>
         </a:defRPr>
       </a:lvl4pPr>
-      <a:lvl5pPr marL="2114550" indent="-285750" algn="l" defTabSz="914400" rtl="0" eaLnBrk="1" latinLnBrk="0" hangingPunct="1">
+      <a:lvl5pPr marL="1143000" indent="-228600" algn="l" defTabSz="914400" rtl="0" eaLnBrk="1" latinLnBrk="0" hangingPunct="1">
         <a:lnSpc>
-          <a:spcPct val="90000"/>
+          <a:spcPct val="100000"/>
         </a:lnSpc>
         <a:spcBef>
-          <a:spcPts val="500"/>
+          <a:spcPts val="1000"/>
         </a:spcBef>
         <a:buClr>
-          <a:schemeClr val="accent6"/>
+          <a:schemeClr val="accent2"/>
         </a:buClr>
         <a:buFont typeface="Arial" panose="020B0604020202020204" pitchFamily="34" charset="0"/>
         <a:buChar char="•"/>
-        <a:defRPr sz="1800" kern="1200">
+        <a:defRPr sz="1600" kern="1200">
           <a:solidFill>
-            <a:schemeClr val="bg1"/>
+            <a:schemeClr val="tx1">
+              <a:lumMod val="85000"/>
+              <a:lumOff val="15000"/>
+            </a:schemeClr>
           </a:solidFill>
           <a:latin typeface="+mn-lt"/>
           <a:ea typeface="+mn-ea"/>
           <a:cs typeface="+mn-cs"/>
         </a:defRPr>
       </a:lvl5pPr>
-      <a:lvl6pPr marL="2514600" indent="-228600" algn="l" defTabSz="914400" rtl="0" eaLnBrk="1" latinLnBrk="0" hangingPunct="1">
+      <a:lvl6pPr marL="1312863" indent="-228600" algn="l" defTabSz="914400" rtl="0" eaLnBrk="1" latinLnBrk="0" hangingPunct="1">
         <a:lnSpc>
-          <a:spcPct val="90000"/>
+          <a:spcPct val="100000"/>
         </a:lnSpc>
         <a:spcBef>
-          <a:spcPts val="500"/>
+          <a:spcPts val="1000"/>
         </a:spcBef>
+        <a:buClr>
+          <a:schemeClr val="accent2"/>
+        </a:buClr>
         <a:buFont typeface="Arial" panose="020B0604020202020204" pitchFamily="34" charset="0"/>
         <a:buChar char="•"/>
-        <a:defRPr sz="1800" kern="1200">
+        <a:defRPr sz="1600" kern="1200">
           <a:solidFill>
             <a:schemeClr val="tx1"/>
           </a:solidFill>
@@ -3049,16 +2946,19 @@
           <a:cs typeface="+mn-cs"/>
         </a:defRPr>
       </a:lvl6pPr>
-      <a:lvl7pPr marL="2971800" indent="-228600" algn="l" defTabSz="914400" rtl="0" eaLnBrk="1" latinLnBrk="0" hangingPunct="1">
+      <a:lvl7pPr marL="1484313" indent="-228600" algn="l" defTabSz="914400" rtl="0" eaLnBrk="1" latinLnBrk="0" hangingPunct="1">
         <a:lnSpc>
-          <a:spcPct val="90000"/>
+          <a:spcPct val="100000"/>
         </a:lnSpc>
         <a:spcBef>
-          <a:spcPts val="500"/>
+          <a:spcPts val="1000"/>
         </a:spcBef>
+        <a:buClr>
+          <a:schemeClr val="accent2"/>
+        </a:buClr>
         <a:buFont typeface="Arial" panose="020B0604020202020204" pitchFamily="34" charset="0"/>
         <a:buChar char="•"/>
-        <a:defRPr sz="1800" kern="1200">
+        <a:defRPr sz="1600" kern="1200">
           <a:solidFill>
             <a:schemeClr val="tx1"/>
           </a:solidFill>
@@ -3067,16 +2967,19 @@
           <a:cs typeface="+mn-cs"/>
         </a:defRPr>
       </a:lvl7pPr>
-      <a:lvl8pPr marL="3429000" indent="-228600" algn="l" defTabSz="914400" rtl="0" eaLnBrk="1" latinLnBrk="0" hangingPunct="1">
+      <a:lvl8pPr marL="1657350" indent="-228600" algn="l" defTabSz="914400" rtl="0" eaLnBrk="1" latinLnBrk="0" hangingPunct="1">
         <a:lnSpc>
-          <a:spcPct val="90000"/>
+          <a:spcPct val="100000"/>
         </a:lnSpc>
         <a:spcBef>
-          <a:spcPts val="500"/>
+          <a:spcPts val="1000"/>
         </a:spcBef>
+        <a:buClr>
+          <a:schemeClr val="accent2"/>
+        </a:buClr>
         <a:buFont typeface="Arial" panose="020B0604020202020204" pitchFamily="34" charset="0"/>
         <a:buChar char="•"/>
-        <a:defRPr sz="1800" kern="1200">
+        <a:defRPr sz="1600" kern="1200" baseline="0">
           <a:solidFill>
             <a:schemeClr val="tx1"/>
           </a:solidFill>
@@ -3085,16 +2988,19 @@
           <a:cs typeface="+mn-cs"/>
         </a:defRPr>
       </a:lvl8pPr>
-      <a:lvl9pPr marL="3886200" indent="-228600" algn="l" defTabSz="914400" rtl="0" eaLnBrk="1" latinLnBrk="0" hangingPunct="1">
+      <a:lvl9pPr marL="1882775" indent="-228600" algn="l" defTabSz="914400" rtl="0" eaLnBrk="1" latinLnBrk="0" hangingPunct="1">
         <a:lnSpc>
-          <a:spcPct val="90000"/>
+          <a:spcPct val="100000"/>
         </a:lnSpc>
         <a:spcBef>
-          <a:spcPts val="500"/>
+          <a:spcPts val="1000"/>
         </a:spcBef>
+        <a:buClr>
+          <a:schemeClr val="accent2"/>
+        </a:buClr>
         <a:buFont typeface="Arial" panose="020B0604020202020204" pitchFamily="34" charset="0"/>
         <a:buChar char="•"/>
-        <a:defRPr sz="1800" kern="1200">
+        <a:defRPr sz="1600" kern="1200" baseline="0">
           <a:solidFill>
             <a:schemeClr val="tx1"/>
           </a:solidFill>
@@ -3204,9 +3110,9 @@
 </file>
 
 <file path=ppt/theme/theme1.xml><?xml version="1.0" encoding="utf-8"?>
-<a:theme xmlns:a="http://schemas.openxmlformats.org/drawingml/2006/main" name="Custom">
+<a:theme xmlns:a="http://schemas.openxmlformats.org/drawingml/2006/main" name="Parcel">
   <a:themeElements>
-    <a:clrScheme name="Custom 17">
+    <a:clrScheme name="Parcel">
       <a:dk1>
         <a:srgbClr val="000000"/>
       </a:dk1>
@@ -3214,49 +3120,113 @@
         <a:srgbClr val="FFFFFF"/>
       </a:lt1>
       <a:dk2>
-        <a:srgbClr val="FC4EFB"/>
+        <a:srgbClr val="4A5356"/>
       </a:dk2>
       <a:lt2>
-        <a:srgbClr val="E7E6E6"/>
+        <a:srgbClr val="E8E3CE"/>
       </a:lt2>
       <a:accent1>
-        <a:srgbClr val="FAF24C"/>
+        <a:srgbClr val="F6A21D"/>
       </a:accent1>
       <a:accent2>
-        <a:srgbClr val="5EFCAC"/>
+        <a:srgbClr val="9BAFB5"/>
       </a:accent2>
       <a:accent3>
-        <a:srgbClr val="73EBF9"/>
+        <a:srgbClr val="C96731"/>
       </a:accent3>
       <a:accent4>
-        <a:srgbClr val="316CFC"/>
+        <a:srgbClr val="9CA383"/>
       </a:accent4>
       <a:accent5>
-        <a:srgbClr val="B059FD"/>
+        <a:srgbClr val="87795D"/>
       </a:accent5>
       <a:accent6>
-        <a:srgbClr val="9405FC"/>
+        <a:srgbClr val="A0988C"/>
       </a:accent6>
       <a:hlink>
-        <a:srgbClr val="FFFFFF"/>
+        <a:srgbClr val="00B0F0"/>
       </a:hlink>
       <a:folHlink>
-        <a:srgbClr val="FFFFFF"/>
+        <a:srgbClr val="738F97"/>
       </a:folHlink>
     </a:clrScheme>
-    <a:fontScheme name="Custom 15">
+    <a:fontScheme name="Parcel">
       <a:majorFont>
-        <a:latin typeface="Biome"/>
+        <a:latin typeface="Gill Sans MT" panose="020B0502020104020203"/>
         <a:ea typeface=""/>
         <a:cs typeface=""/>
+        <a:font script="Grek" typeface="Corbel"/>
+        <a:font script="Cyrl" typeface="Corbel"/>
+        <a:font script="Jpan" typeface="HGｺﾞｼｯｸE"/>
+        <a:font script="Hang" typeface="휴먼매직체"/>
+        <a:font script="Hans" typeface="华文中宋"/>
+        <a:font script="Hant" typeface="微軟正黑體"/>
+        <a:font script="Arab" typeface="Majalla UI"/>
+        <a:font script="Hebr" typeface="Arial"/>
+        <a:font script="Thai" typeface="Cordia New"/>
+        <a:font script="Ethi" typeface="Nyala"/>
+        <a:font script="Beng" typeface="Vrinda"/>
+        <a:font script="Gujr" typeface="Shruti"/>
+        <a:font script="Khmr" typeface="DaunPenh"/>
+        <a:font script="Knda" typeface="Tunga"/>
+        <a:font script="Guru" typeface="Raavi"/>
+        <a:font script="Cans" typeface="Euphemia"/>
+        <a:font script="Cher" typeface="Plantagenet Cherokee"/>
+        <a:font script="Yiii" typeface="Microsoft Yi Baiti"/>
+        <a:font script="Tibt" typeface="Microsoft Himalaya"/>
+        <a:font script="Thaa" typeface="MV Boli"/>
+        <a:font script="Deva" typeface="Mangal"/>
+        <a:font script="Telu" typeface="Gautami"/>
+        <a:font script="Taml" typeface="Latha"/>
+        <a:font script="Syrc" typeface="Estrangelo Edessa"/>
+        <a:font script="Orya" typeface="Kalinga"/>
+        <a:font script="Mlym" typeface="Kartika"/>
+        <a:font script="Laoo" typeface="DokChampa"/>
+        <a:font script="Sinh" typeface="Iskoola Pota"/>
+        <a:font script="Mong" typeface="Mongolian Baiti"/>
+        <a:font script="Viet" typeface="Tahoma"/>
+        <a:font script="Uigh" typeface="Microsoft Uighur"/>
+        <a:font script="Geor" typeface="Sylfaen"/>
       </a:majorFont>
       <a:minorFont>
-        <a:latin typeface="Arial Nova"/>
+        <a:latin typeface="Gill Sans MT" panose="020B0502020104020203"/>
         <a:ea typeface=""/>
         <a:cs typeface=""/>
+        <a:font script="Grek" typeface="Corbel"/>
+        <a:font script="Cyrl" typeface="Corbel"/>
+        <a:font script="Jpan" typeface="HGｺﾞｼｯｸE"/>
+        <a:font script="Hang" typeface="휴먼매직체"/>
+        <a:font script="Hans" typeface="华文中宋"/>
+        <a:font script="Hant" typeface="微軟正黑體"/>
+        <a:font script="Arab" typeface="Majalla UI"/>
+        <a:font script="Hebr" typeface="Arial"/>
+        <a:font script="Thai" typeface="Cordia New"/>
+        <a:font script="Ethi" typeface="Nyala"/>
+        <a:font script="Beng" typeface="Vrinda"/>
+        <a:font script="Gujr" typeface="Shruti"/>
+        <a:font script="Khmr" typeface="DaunPenh"/>
+        <a:font script="Knda" typeface="Tunga"/>
+        <a:font script="Guru" typeface="Raavi"/>
+        <a:font script="Cans" typeface="Euphemia"/>
+        <a:font script="Cher" typeface="Plantagenet Cherokee"/>
+        <a:font script="Yiii" typeface="Microsoft Yi Baiti"/>
+        <a:font script="Tibt" typeface="Microsoft Himalaya"/>
+        <a:font script="Thaa" typeface="MV Boli"/>
+        <a:font script="Deva" typeface="Mangal"/>
+        <a:font script="Telu" typeface="Gautami"/>
+        <a:font script="Taml" typeface="Latha"/>
+        <a:font script="Syrc" typeface="Estrangelo Edessa"/>
+        <a:font script="Orya" typeface="Kalinga"/>
+        <a:font script="Mlym" typeface="Kartika"/>
+        <a:font script="Laoo" typeface="DokChampa"/>
+        <a:font script="Sinh" typeface="Iskoola Pota"/>
+        <a:font script="Mong" typeface="Mongolian Baiti"/>
+        <a:font script="Viet" typeface="Tahoma"/>
+        <a:font script="Uigh" typeface="Microsoft Uighur"/>
+        <a:font script="Geor" typeface="Sylfaen"/>
       </a:minorFont>
     </a:fontScheme>
-    <a:fmtScheme name="Office">
+    <a:fmtScheme name="Parcel">
       <a:fillStyleLst>
         <a:solidFill>
           <a:schemeClr val="phClr"/>
@@ -3265,23 +3235,16 @@
           <a:gsLst>
             <a:gs pos="0">
               <a:schemeClr val="phClr">
-                <a:lumMod val="110000"/>
-                <a:satMod val="105000"/>
-                <a:tint val="67000"/>
-              </a:schemeClr>
-            </a:gs>
-            <a:gs pos="50000">
-              <a:schemeClr val="phClr">
-                <a:lumMod val="105000"/>
-                <a:satMod val="103000"/>
-                <a:tint val="73000"/>
+                <a:tint val="80000"/>
+                <a:satMod val="107000"/>
+                <a:lumMod val="103000"/>
               </a:schemeClr>
             </a:gs>
             <a:gs pos="100000">
               <a:schemeClr val="phClr">
-                <a:lumMod val="105000"/>
+                <a:tint val="82000"/>
                 <a:satMod val="109000"/>
-                <a:tint val="81000"/>
+                <a:lumMod val="103000"/>
               </a:schemeClr>
             </a:gs>
           </a:gsLst>
@@ -3291,23 +3254,23 @@
           <a:gsLst>
             <a:gs pos="0">
               <a:schemeClr val="phClr">
-                <a:satMod val="103000"/>
+                <a:tint val="97000"/>
+                <a:satMod val="100000"/>
                 <a:lumMod val="102000"/>
-                <a:tint val="94000"/>
               </a:schemeClr>
             </a:gs>
             <a:gs pos="50000">
               <a:schemeClr val="phClr">
-                <a:satMod val="110000"/>
+                <a:shade val="100000"/>
+                <a:satMod val="103000"/>
                 <a:lumMod val="100000"/>
-                <a:shade val="100000"/>
               </a:schemeClr>
             </a:gs>
             <a:gs pos="100000">
               <a:schemeClr val="phClr">
+                <a:shade val="93000"/>
+                <a:satMod val="110000"/>
                 <a:lumMod val="99000"/>
-                <a:satMod val="120000"/>
-                <a:shade val="78000"/>
               </a:schemeClr>
             </a:gs>
           </a:gsLst>
@@ -3320,21 +3283,18 @@
             <a:schemeClr val="phClr"/>
           </a:solidFill>
           <a:prstDash val="solid"/>
-          <a:miter lim="800000"/>
         </a:ln>
         <a:ln w="12700" cap="flat" cmpd="sng" algn="ctr">
           <a:solidFill>
             <a:schemeClr val="phClr"/>
           </a:solidFill>
           <a:prstDash val="solid"/>
-          <a:miter lim="800000"/>
         </a:ln>
-        <a:ln w="19050" cap="flat" cmpd="sng" algn="ctr">
+        <a:ln w="31750" cap="flat" cmpd="sng" algn="ctr">
           <a:solidFill>
             <a:schemeClr val="phClr"/>
           </a:solidFill>
           <a:prstDash val="solid"/>
-          <a:miter lim="800000"/>
         </a:ln>
       </a:lnStyleLst>
       <a:effectStyleLst>
@@ -3346,12 +3306,21 @@
         </a:effectStyle>
         <a:effectStyle>
           <a:effectLst>
-            <a:outerShdw blurRad="57150" dist="19050" dir="5400000" algn="ctr" rotWithShape="0">
+            <a:outerShdw blurRad="55880" dist="15240" dir="5400000" algn="ctr" rotWithShape="0">
               <a:srgbClr val="000000">
-                <a:alpha val="63000"/>
+                <a:alpha val="45000"/>
               </a:srgbClr>
             </a:outerShdw>
           </a:effectLst>
+          <a:scene3d>
+            <a:camera prst="orthographicFront">
+              <a:rot lat="0" lon="0" rev="0"/>
+            </a:camera>
+            <a:lightRig rig="brightRoom" dir="tl"/>
+          </a:scene3d>
+          <a:sp3d prstMaterial="dkEdge">
+            <a:bevelT w="0" h="0"/>
+          </a:sp3d>
         </a:effectStyle>
       </a:effectStyleLst>
       <a:bgFillStyleLst>
@@ -3368,28 +3337,24 @@
           <a:gsLst>
             <a:gs pos="0">
               <a:schemeClr val="phClr">
-                <a:tint val="93000"/>
-                <a:satMod val="150000"/>
-                <a:shade val="98000"/>
-                <a:lumMod val="102000"/>
-              </a:schemeClr>
-            </a:gs>
-            <a:gs pos="50000">
-              <a:schemeClr val="phClr">
-                <a:tint val="98000"/>
-                <a:satMod val="130000"/>
-                <a:shade val="90000"/>
-                <a:lumMod val="103000"/>
+                <a:tint val="97000"/>
+                <a:shade val="100000"/>
+                <a:satMod val="185000"/>
+                <a:lumMod val="120000"/>
               </a:schemeClr>
             </a:gs>
             <a:gs pos="100000">
               <a:schemeClr val="phClr">
-                <a:shade val="63000"/>
-                <a:satMod val="120000"/>
+                <a:tint val="96000"/>
+                <a:shade val="95000"/>
+                <a:satMod val="215000"/>
+                <a:lumMod val="80000"/>
               </a:schemeClr>
             </a:gs>
           </a:gsLst>
-          <a:lin ang="5400000" scaled="0"/>
+          <a:path path="circle">
+            <a:fillToRect l="50000" t="55000" r="125000" b="100000"/>
+          </a:path>
         </a:gradFill>
       </a:bgFillStyleLst>
     </a:fmtScheme>
@@ -3398,7 +3363,7 @@
   <a:extraClrSchemeLst/>
   <a:extLst>
     <a:ext uri="{05A4C25C-085E-4340-85A3-A5531E510DB2}">
-      <thm15:themeFamily xmlns:thm15="http://schemas.microsoft.com/office/thememl/2012/main" name="TM11936837_win32_SL_V11" id="{EAD6EF7B-6F25-4469-AF6A-07D6EB1461DD}" vid="{30FEA78B-2F89-4FF0-8415-E3920802C58A}"/>
+      <thm15:themeFamily xmlns:thm15="http://schemas.microsoft.com/office/thememl/2012/main" name="TM56596226_Win32_LW_V0" id="{9BD71EDD-469E-4D4E-A40A-B14F6807FCBA}" vid="{17CDA7A4-B369-430D-9DFB-4C9640019618}"/>
     </a:ext>
   </a:extLst>
 </a:theme>
@@ -3710,39 +3675,39 @@
         <a:sysClr val="window" lastClr="FFFFFF"/>
       </a:lt1>
       <a:dk2>
-        <a:srgbClr val="44546A"/>
+        <a:srgbClr val="0E2841"/>
       </a:dk2>
       <a:lt2>
-        <a:srgbClr val="E7E6E6"/>
+        <a:srgbClr val="E8E8E8"/>
       </a:lt2>
       <a:accent1>
-        <a:srgbClr val="4472C4"/>
+        <a:srgbClr val="156082"/>
       </a:accent1>
       <a:accent2>
-        <a:srgbClr val="ED7D31"/>
+        <a:srgbClr val="E97132"/>
       </a:accent2>
       <a:accent3>
-        <a:srgbClr val="A5A5A5"/>
+        <a:srgbClr val="196B24"/>
       </a:accent3>
       <a:accent4>
-        <a:srgbClr val="FFC000"/>
+        <a:srgbClr val="0F9ED5"/>
       </a:accent4>
       <a:accent5>
-        <a:srgbClr val="5B9BD5"/>
+        <a:srgbClr val="A02B93"/>
       </a:accent5>
       <a:accent6>
-        <a:srgbClr val="70AD47"/>
+        <a:srgbClr val="4EA72E"/>
       </a:accent6>
       <a:hlink>
-        <a:srgbClr val="0563C1"/>
+        <a:srgbClr val="467886"/>
       </a:hlink>
       <a:folHlink>
-        <a:srgbClr val="954F72"/>
+        <a:srgbClr val="96607D"/>
       </a:folHlink>
     </a:clrScheme>
     <a:fontScheme name="Office">
       <a:majorFont>
-        <a:latin typeface="Calibri Light" panose="020F0302020204030204"/>
+        <a:latin typeface="Aptos Display" panose="02110004020202020204"/>
         <a:ea typeface=""/>
         <a:cs typeface=""/>
         <a:font script="Jpan" typeface="游ゴシック Light"/>
@@ -3794,7 +3759,7 @@
         <a:font script="Tfng" typeface="Ebrima"/>
       </a:majorFont>
       <a:minorFont>
-        <a:latin typeface="Calibri" panose="020F0502020204030204"/>
+        <a:latin typeface="Aptos" panose="02110004020202020204"/>
         <a:ea typeface=""/>
         <a:cs typeface=""/>
         <a:font script="Jpan" typeface="游ゴシック"/>
@@ -3905,13 +3870,6 @@
         </a:gradFill>
       </a:fillStyleLst>
       <a:lnStyleLst>
-        <a:ln w="6350" cap="flat" cmpd="sng" algn="ctr">
-          <a:solidFill>
-            <a:schemeClr val="phClr"/>
-          </a:solidFill>
-          <a:prstDash val="solid"/>
-          <a:miter lim="800000"/>
-        </a:ln>
         <a:ln w="12700" cap="flat" cmpd="sng" algn="ctr">
           <a:solidFill>
             <a:schemeClr val="phClr"/>
@@ -3920,6 +3878,13 @@
           <a:miter lim="800000"/>
         </a:ln>
         <a:ln w="19050" cap="flat" cmpd="sng" algn="ctr">
+          <a:solidFill>
+            <a:schemeClr val="phClr"/>
+          </a:solidFill>
+          <a:prstDash val="solid"/>
+          <a:miter lim="800000"/>
+        </a:ln>
+        <a:ln w="25400" cap="flat" cmpd="sng" algn="ctr">
           <a:solidFill>
             <a:schemeClr val="phClr"/>
           </a:solidFill>
@@ -3984,46 +3949,37 @@
       </a:bgFillStyleLst>
     </a:fmtScheme>
   </a:themeElements>
-  <a:objectDefaults/>
+  <a:objectDefaults>
+    <a:lnDef>
+      <a:spPr/>
+      <a:bodyPr/>
+      <a:lstStyle/>
+      <a:style>
+        <a:lnRef idx="2">
+          <a:schemeClr val="accent1"/>
+        </a:lnRef>
+        <a:fillRef idx="0">
+          <a:schemeClr val="accent1"/>
+        </a:fillRef>
+        <a:effectRef idx="1">
+          <a:schemeClr val="accent1"/>
+        </a:effectRef>
+        <a:fontRef idx="minor">
+          <a:schemeClr val="tx1"/>
+        </a:fontRef>
+      </a:style>
+    </a:lnDef>
+  </a:objectDefaults>
   <a:extraClrSchemeLst/>
   <a:extLst>
     <a:ext uri="{05A4C25C-085E-4340-85A3-A5531E510DB2}">
-      <thm15:themeFamily xmlns:thm15="http://schemas.microsoft.com/office/thememl/2012/main" name="Office Theme" id="{62F939B6-93AF-4DB8-9C6B-D6C7DFDC589F}" vid="{4A3C46E8-61CC-4603-A589-7422A47A8E4A}"/>
+      <thm15:themeFamily xmlns:thm15="http://schemas.microsoft.com/office/thememl/2012/main" name="Office Theme" id="{2E142A2C-CD16-42D6-873A-C26D2A0506FA}" vid="{1BDDFF52-6CD6-40A5-AB3C-68EB2F1E4D0A}"/>
     </a:ext>
   </a:extLst>
 </a:theme>
 </file>
 
 <file path=customXml/item1.xml><?xml version="1.0" encoding="utf-8"?>
-<?mso-contentType ?>
-<FormTemplates xmlns="http://schemas.microsoft.com/sharepoint/v3/contenttype/forms">
-  <Display>DocumentLibraryForm</Display>
-  <Edit>DocumentLibraryForm</Edit>
-  <New>DocumentLibraryForm</New>
-</FormTemplates>
-</file>
-
-<file path=customXml/item2.xml><?xml version="1.0" encoding="utf-8"?>
-<p:properties xmlns:p="http://schemas.microsoft.com/office/2006/metadata/properties" xmlns:xsi="http://www.w3.org/2001/XMLSchema-instance" xmlns:pc="http://schemas.microsoft.com/office/infopath/2007/PartnerControls">
-  <documentManagement>
-    <_ip_UnifiedCompliancePolicyUIAction xmlns="http://schemas.microsoft.com/sharepoint/v3" xsi:nil="true"/>
-    <Image xmlns="71af3243-3dd4-4a8d-8c0d-dd76da1f02a5">
-      <Url xsi:nil="true"/>
-      <Description xsi:nil="true"/>
-    </Image>
-    <Status xmlns="71af3243-3dd4-4a8d-8c0d-dd76da1f02a5">Not started</Status>
-    <Background xmlns="71af3243-3dd4-4a8d-8c0d-dd76da1f02a5">false</Background>
-    <_ip_UnifiedCompliancePolicyProperties xmlns="http://schemas.microsoft.com/sharepoint/v3" xsi:nil="true"/>
-    <ImageTagsTaxHTField xmlns="71af3243-3dd4-4a8d-8c0d-dd76da1f02a5">
-      <Terms xmlns="http://schemas.microsoft.com/office/infopath/2007/PartnerControls"/>
-    </ImageTagsTaxHTField>
-    <TaxCatchAll xmlns="230e9df3-be65-4c73-a93b-d1236ebd677e" xsi:nil="true"/>
-    <MediaServiceKeyPoints xmlns="71af3243-3dd4-4a8d-8c0d-dd76da1f02a5" xsi:nil="true"/>
-  </documentManagement>
-</p:properties>
-</file>
-
-<file path=customXml/item3.xml><?xml version="1.0" encoding="utf-8"?>
 <ct:contentTypeSchema xmlns:ct="http://schemas.microsoft.com/office/2006/metadata/contentType" xmlns:ma="http://schemas.microsoft.com/office/2006/metadata/properties/metaAttributes" ct:_="" ma:_="" ma:contentTypeName="Document" ma:contentTypeID="0x01010079F111ED35F8CC479449609E8A0923A6" ma:contentTypeVersion="28" ma:contentTypeDescription="Create a new document." ma:contentTypeScope="" ma:versionID="60f5a4f2d2b0abadcf532d48ebf9cb71">
   <xsd:schema xmlns:xsd="http://www.w3.org/2001/XMLSchema" xmlns:xs="http://www.w3.org/2001/XMLSchema" xmlns:p="http://schemas.microsoft.com/office/2006/metadata/properties" xmlns:ns1="http://schemas.microsoft.com/sharepoint/v3" xmlns:ns2="71af3243-3dd4-4a8d-8c0d-dd76da1f02a5" xmlns:ns3="16c05727-aa75-4e4a-9b5f-8a80a1165891" xmlns:ns4="230e9df3-be65-4c73-a93b-d1236ebd677e" targetNamespace="http://schemas.microsoft.com/office/2006/metadata/properties" ma:root="true" ma:fieldsID="7dd78129e6a1811f84807ad11c651531" ns1:_="" ns2:_="" ns3:_="" ns4:_="">
     <xsd:import namespace="http://schemas.microsoft.com/sharepoint/v3"/>
@@ -4335,28 +4291,37 @@
 </ct:contentTypeSchema>
 </file>
 
-<file path=customXml/itemProps1.xml><?xml version="1.0" encoding="utf-8"?>
-<ds:datastoreItem xmlns:ds="http://schemas.openxmlformats.org/officeDocument/2006/customXml" ds:itemID="{A78D9019-7CE1-4B77-8F5D-67F6576598CB}">
-  <ds:schemaRefs>
-    <ds:schemaRef ds:uri="http://schemas.microsoft.com/sharepoint/v3/contenttype/forms"/>
-  </ds:schemaRefs>
-</ds:datastoreItem>
+<file path=customXml/item2.xml><?xml version="1.0" encoding="utf-8"?>
+<p:properties xmlns:p="http://schemas.microsoft.com/office/2006/metadata/properties" xmlns:xsi="http://www.w3.org/2001/XMLSchema-instance" xmlns:pc="http://schemas.microsoft.com/office/infopath/2007/PartnerControls">
+  <documentManagement>
+    <_ip_UnifiedCompliancePolicyUIAction xmlns="http://schemas.microsoft.com/sharepoint/v3" xsi:nil="true"/>
+    <Image xmlns="71af3243-3dd4-4a8d-8c0d-dd76da1f02a5">
+      <Url xsi:nil="true"/>
+      <Description xsi:nil="true"/>
+    </Image>
+    <Status xmlns="71af3243-3dd4-4a8d-8c0d-dd76da1f02a5">Not started</Status>
+    <Background xmlns="71af3243-3dd4-4a8d-8c0d-dd76da1f02a5">false</Background>
+    <_ip_UnifiedCompliancePolicyProperties xmlns="http://schemas.microsoft.com/sharepoint/v3" xsi:nil="true"/>
+    <ImageTagsTaxHTField xmlns="71af3243-3dd4-4a8d-8c0d-dd76da1f02a5">
+      <Terms xmlns="http://schemas.microsoft.com/office/infopath/2007/PartnerControls"/>
+    </ImageTagsTaxHTField>
+    <TaxCatchAll xmlns="230e9df3-be65-4c73-a93b-d1236ebd677e" xsi:nil="true"/>
+    <MediaServiceKeyPoints xmlns="71af3243-3dd4-4a8d-8c0d-dd76da1f02a5" xsi:nil="true"/>
+  </documentManagement>
+</p:properties>
 </file>
 
-<file path=customXml/itemProps2.xml><?xml version="1.0" encoding="utf-8"?>
-<ds:datastoreItem xmlns:ds="http://schemas.openxmlformats.org/officeDocument/2006/customXml" ds:itemID="{E42E6C21-1752-4E06-9FE3-208D45ADB668}">
-  <ds:schemaRefs>
-    <ds:schemaRef ds:uri="http://schemas.microsoft.com/office/2006/metadata/properties"/>
-    <ds:schemaRef ds:uri="http://schemas.microsoft.com/office/infopath/2007/PartnerControls"/>
-    <ds:schemaRef ds:uri="http://schemas.microsoft.com/sharepoint/v3"/>
-    <ds:schemaRef ds:uri="71af3243-3dd4-4a8d-8c0d-dd76da1f02a5"/>
-    <ds:schemaRef ds:uri="230e9df3-be65-4c73-a93b-d1236ebd677e"/>
-  </ds:schemaRefs>
-</ds:datastoreItem>
+<file path=customXml/item3.xml><?xml version="1.0" encoding="utf-8"?>
+<?mso-contentType ?>
+<FormTemplates xmlns="http://schemas.microsoft.com/sharepoint/v3/contenttype/forms">
+  <Display>DocumentLibraryForm</Display>
+  <Edit>DocumentLibraryForm</Edit>
+  <New>DocumentLibraryForm</New>
+</FormTemplates>
 </file>
 
-<file path=customXml/itemProps3.xml><?xml version="1.0" encoding="utf-8"?>
-<ds:datastoreItem xmlns:ds="http://schemas.openxmlformats.org/officeDocument/2006/customXml" ds:itemID="{AF6E7B4D-FB62-47B7-AAA7-0DEC9938DB8A}">
+<file path=customXml/itemProps1.xml><?xml version="1.0" encoding="utf-8"?>
+<ds:datastoreItem xmlns:ds="http://schemas.openxmlformats.org/officeDocument/2006/customXml" ds:itemID="{BC2A85E2-5219-4B5F-9D52-D97CA94AAB32}">
   <ds:schemaRefs>
     <ds:schemaRef ds:uri="http://schemas.microsoft.com/office/2006/metadata/contentType"/>
     <ds:schemaRef ds:uri="http://schemas.microsoft.com/office/2006/metadata/properties/metaAttributes"/>
@@ -4376,6 +4341,26 @@
 </ds:datastoreItem>
 </file>
 
+<file path=customXml/itemProps2.xml><?xml version="1.0" encoding="utf-8"?>
+<ds:datastoreItem xmlns:ds="http://schemas.openxmlformats.org/officeDocument/2006/customXml" ds:itemID="{89316C43-4A17-4971-BB8F-F0F6B8CDF2E0}">
+  <ds:schemaRefs>
+    <ds:schemaRef ds:uri="http://schemas.microsoft.com/office/2006/metadata/properties"/>
+    <ds:schemaRef ds:uri="http://schemas.microsoft.com/office/infopath/2007/PartnerControls"/>
+    <ds:schemaRef ds:uri="http://schemas.microsoft.com/sharepoint/v3"/>
+    <ds:schemaRef ds:uri="71af3243-3dd4-4a8d-8c0d-dd76da1f02a5"/>
+    <ds:schemaRef ds:uri="230e9df3-be65-4c73-a93b-d1236ebd677e"/>
+  </ds:schemaRefs>
+</ds:datastoreItem>
+</file>
+
+<file path=customXml/itemProps3.xml><?xml version="1.0" encoding="utf-8"?>
+<ds:datastoreItem xmlns:ds="http://schemas.openxmlformats.org/officeDocument/2006/customXml" ds:itemID="{F5C14155-A57F-48FA-B253-A79CB6269DDC}">
+  <ds:schemaRefs>
+    <ds:schemaRef ds:uri="http://schemas.microsoft.com/sharepoint/v3/contenttype/forms"/>
+  </ds:schemaRefs>
+</ds:datastoreItem>
+</file>
+
 <file path=docMetadata/LabelInfo.xml><?xml version="1.0" encoding="utf-8"?>
 <clbl:labelList xmlns:clbl="http://schemas.microsoft.com/office/2020/mipLabelMetadata"/>
 </file>